--- a/SurveyTables.pptx
+++ b/SurveyTables.pptx
@@ -215,7 +215,7 @@
           <a:p>
             <a:fld id="{27983993-457D-4B44-87E0-F1832B9FDEA8}" type="datetimeFigureOut">
               <a:rPr lang="en-US" smtClean="0"/>
-              <a:t>4/28/25</a:t>
+              <a:t>5/12/25</a:t>
             </a:fld>
             <a:endParaRPr lang="en-US"/>
           </a:p>
@@ -1049,7 +1049,7 @@
           <a:p>
             <a:fld id="{3731B3E4-154A-8745-9F3C-ACEACDDEC42E}" type="datetimeFigureOut">
               <a:rPr lang="en-US" smtClean="0"/>
-              <a:t>4/28/25</a:t>
+              <a:t>5/12/25</a:t>
             </a:fld>
             <a:endParaRPr lang="en-US"/>
           </a:p>
@@ -1247,7 +1247,7 @@
           <a:p>
             <a:fld id="{3731B3E4-154A-8745-9F3C-ACEACDDEC42E}" type="datetimeFigureOut">
               <a:rPr lang="en-US" smtClean="0"/>
-              <a:t>4/28/25</a:t>
+              <a:t>5/12/25</a:t>
             </a:fld>
             <a:endParaRPr lang="en-US"/>
           </a:p>
@@ -1455,7 +1455,7 @@
           <a:p>
             <a:fld id="{3731B3E4-154A-8745-9F3C-ACEACDDEC42E}" type="datetimeFigureOut">
               <a:rPr lang="en-US" smtClean="0"/>
-              <a:t>4/28/25</a:t>
+              <a:t>5/12/25</a:t>
             </a:fld>
             <a:endParaRPr lang="en-US"/>
           </a:p>
@@ -1660,7 +1660,7 @@
           <a:p>
             <a:fld id="{3731B3E4-154A-8745-9F3C-ACEACDDEC42E}" type="datetimeFigureOut">
               <a:rPr lang="en-US" smtClean="0"/>
-              <a:t>4/28/25</a:t>
+              <a:t>5/12/25</a:t>
             </a:fld>
             <a:endParaRPr lang="en-US"/>
           </a:p>
@@ -1935,7 +1935,7 @@
           <a:p>
             <a:fld id="{3731B3E4-154A-8745-9F3C-ACEACDDEC42E}" type="datetimeFigureOut">
               <a:rPr lang="en-US" smtClean="0"/>
-              <a:t>4/28/25</a:t>
+              <a:t>5/12/25</a:t>
             </a:fld>
             <a:endParaRPr lang="en-US"/>
           </a:p>
@@ -2200,7 +2200,7 @@
           <a:p>
             <a:fld id="{3731B3E4-154A-8745-9F3C-ACEACDDEC42E}" type="datetimeFigureOut">
               <a:rPr lang="en-US" smtClean="0"/>
-              <a:t>4/28/25</a:t>
+              <a:t>5/12/25</a:t>
             </a:fld>
             <a:endParaRPr lang="en-US"/>
           </a:p>
@@ -2612,7 +2612,7 @@
           <a:p>
             <a:fld id="{3731B3E4-154A-8745-9F3C-ACEACDDEC42E}" type="datetimeFigureOut">
               <a:rPr lang="en-US" smtClean="0"/>
-              <a:t>4/28/25</a:t>
+              <a:t>5/12/25</a:t>
             </a:fld>
             <a:endParaRPr lang="en-US"/>
           </a:p>
@@ -2753,7 +2753,7 @@
           <a:p>
             <a:fld id="{3731B3E4-154A-8745-9F3C-ACEACDDEC42E}" type="datetimeFigureOut">
               <a:rPr lang="en-US" smtClean="0"/>
-              <a:t>4/28/25</a:t>
+              <a:t>5/12/25</a:t>
             </a:fld>
             <a:endParaRPr lang="en-US"/>
           </a:p>
@@ -2866,7 +2866,7 @@
           <a:p>
             <a:fld id="{3731B3E4-154A-8745-9F3C-ACEACDDEC42E}" type="datetimeFigureOut">
               <a:rPr lang="en-US" smtClean="0"/>
-              <a:t>4/28/25</a:t>
+              <a:t>5/12/25</a:t>
             </a:fld>
             <a:endParaRPr lang="en-US"/>
           </a:p>
@@ -3177,7 +3177,7 @@
           <a:p>
             <a:fld id="{3731B3E4-154A-8745-9F3C-ACEACDDEC42E}" type="datetimeFigureOut">
               <a:rPr lang="en-US" smtClean="0"/>
-              <a:t>4/28/25</a:t>
+              <a:t>5/12/25</a:t>
             </a:fld>
             <a:endParaRPr lang="en-US"/>
           </a:p>
@@ -3465,7 +3465,7 @@
           <a:p>
             <a:fld id="{3731B3E4-154A-8745-9F3C-ACEACDDEC42E}" type="datetimeFigureOut">
               <a:rPr lang="en-US" smtClean="0"/>
-              <a:t>4/28/25</a:t>
+              <a:t>5/12/25</a:t>
             </a:fld>
             <a:endParaRPr lang="en-US"/>
           </a:p>
@@ -3706,7 +3706,7 @@
           <a:p>
             <a:fld id="{3731B3E4-154A-8745-9F3C-ACEACDDEC42E}" type="datetimeFigureOut">
               <a:rPr lang="en-US" smtClean="0"/>
-              <a:t>4/28/25</a:t>
+              <a:t>5/12/25</a:t>
             </a:fld>
             <a:endParaRPr lang="en-US"/>
           </a:p>
@@ -5764,23 +5764,7 @@
                   <a:schemeClr val="accent1"/>
                 </a:solidFill>
               </a:rPr>
-              <a:t>survey id (</a:t>
-            </a:r>
-            <a:r>
-              <a:rPr lang="en-US" sz="1400" b="1" dirty="0" err="1">
-                <a:solidFill>
-                  <a:schemeClr val="accent1"/>
-                </a:solidFill>
-              </a:rPr>
-              <a:t>fk</a:t>
-            </a:r>
-            <a:r>
-              <a:rPr lang="en-US" sz="1400" b="1" dirty="0">
-                <a:solidFill>
-                  <a:schemeClr val="accent1"/>
-                </a:solidFill>
-              </a:rPr>
-              <a:t>)</a:t>
+              <a:t>survey id</a:t>
             </a:r>
           </a:p>
           <a:p>
@@ -6552,32 +6536,13 @@
                   <a:schemeClr val="accent1"/>
                 </a:solidFill>
               </a:rPr>
-              <a:t>survey id </a:t>
-            </a:r>
-            <a:r>
-              <a:rPr lang="en-US" sz="1400" dirty="0">
-                <a:solidFill>
-                  <a:schemeClr val="accent1"/>
-                </a:solidFill>
-              </a:rPr>
-              <a:t>(</a:t>
-            </a:r>
-            <a:r>
-              <a:rPr lang="en-US" sz="1400" dirty="0" err="1">
-                <a:solidFill>
-                  <a:schemeClr val="accent1"/>
-                </a:solidFill>
-              </a:rPr>
-              <a:t>fk</a:t>
-            </a:r>
-            <a:r>
-              <a:rPr lang="en-US" sz="1400" dirty="0">
-                <a:solidFill>
-                  <a:schemeClr val="accent1"/>
-                </a:solidFill>
-              </a:rPr>
-              <a:t>)</a:t>
-            </a:r>
+              <a:t>survey id</a:t>
+            </a:r>
+            <a:endParaRPr lang="en-US" sz="1400" dirty="0">
+              <a:solidFill>
+                <a:schemeClr val="accent1"/>
+              </a:solidFill>
+            </a:endParaRPr>
           </a:p>
           <a:p>
             <a:pPr algn="ctr"/>

--- a/SurveyTables.pptx
+++ b/SurveyTables.pptx
@@ -215,7 +215,7 @@
           <a:p>
             <a:fld id="{27983993-457D-4B44-87E0-F1832B9FDEA8}" type="datetimeFigureOut">
               <a:rPr lang="en-US" smtClean="0"/>
-              <a:t>5/12/25</a:t>
+              <a:t>5/13/25</a:t>
             </a:fld>
             <a:endParaRPr lang="en-US"/>
           </a:p>
@@ -1049,7 +1049,7 @@
           <a:p>
             <a:fld id="{3731B3E4-154A-8745-9F3C-ACEACDDEC42E}" type="datetimeFigureOut">
               <a:rPr lang="en-US" smtClean="0"/>
-              <a:t>5/12/25</a:t>
+              <a:t>5/13/25</a:t>
             </a:fld>
             <a:endParaRPr lang="en-US"/>
           </a:p>
@@ -1247,7 +1247,7 @@
           <a:p>
             <a:fld id="{3731B3E4-154A-8745-9F3C-ACEACDDEC42E}" type="datetimeFigureOut">
               <a:rPr lang="en-US" smtClean="0"/>
-              <a:t>5/12/25</a:t>
+              <a:t>5/13/25</a:t>
             </a:fld>
             <a:endParaRPr lang="en-US"/>
           </a:p>
@@ -1455,7 +1455,7 @@
           <a:p>
             <a:fld id="{3731B3E4-154A-8745-9F3C-ACEACDDEC42E}" type="datetimeFigureOut">
               <a:rPr lang="en-US" smtClean="0"/>
-              <a:t>5/12/25</a:t>
+              <a:t>5/13/25</a:t>
             </a:fld>
             <a:endParaRPr lang="en-US"/>
           </a:p>
@@ -1660,7 +1660,7 @@
           <a:p>
             <a:fld id="{3731B3E4-154A-8745-9F3C-ACEACDDEC42E}" type="datetimeFigureOut">
               <a:rPr lang="en-US" smtClean="0"/>
-              <a:t>5/12/25</a:t>
+              <a:t>5/13/25</a:t>
             </a:fld>
             <a:endParaRPr lang="en-US"/>
           </a:p>
@@ -1935,7 +1935,7 @@
           <a:p>
             <a:fld id="{3731B3E4-154A-8745-9F3C-ACEACDDEC42E}" type="datetimeFigureOut">
               <a:rPr lang="en-US" smtClean="0"/>
-              <a:t>5/12/25</a:t>
+              <a:t>5/13/25</a:t>
             </a:fld>
             <a:endParaRPr lang="en-US"/>
           </a:p>
@@ -2200,7 +2200,7 @@
           <a:p>
             <a:fld id="{3731B3E4-154A-8745-9F3C-ACEACDDEC42E}" type="datetimeFigureOut">
               <a:rPr lang="en-US" smtClean="0"/>
-              <a:t>5/12/25</a:t>
+              <a:t>5/13/25</a:t>
             </a:fld>
             <a:endParaRPr lang="en-US"/>
           </a:p>
@@ -2612,7 +2612,7 @@
           <a:p>
             <a:fld id="{3731B3E4-154A-8745-9F3C-ACEACDDEC42E}" type="datetimeFigureOut">
               <a:rPr lang="en-US" smtClean="0"/>
-              <a:t>5/12/25</a:t>
+              <a:t>5/13/25</a:t>
             </a:fld>
             <a:endParaRPr lang="en-US"/>
           </a:p>
@@ -2753,7 +2753,7 @@
           <a:p>
             <a:fld id="{3731B3E4-154A-8745-9F3C-ACEACDDEC42E}" type="datetimeFigureOut">
               <a:rPr lang="en-US" smtClean="0"/>
-              <a:t>5/12/25</a:t>
+              <a:t>5/13/25</a:t>
             </a:fld>
             <a:endParaRPr lang="en-US"/>
           </a:p>
@@ -2866,7 +2866,7 @@
           <a:p>
             <a:fld id="{3731B3E4-154A-8745-9F3C-ACEACDDEC42E}" type="datetimeFigureOut">
               <a:rPr lang="en-US" smtClean="0"/>
-              <a:t>5/12/25</a:t>
+              <a:t>5/13/25</a:t>
             </a:fld>
             <a:endParaRPr lang="en-US"/>
           </a:p>
@@ -3177,7 +3177,7 @@
           <a:p>
             <a:fld id="{3731B3E4-154A-8745-9F3C-ACEACDDEC42E}" type="datetimeFigureOut">
               <a:rPr lang="en-US" smtClean="0"/>
-              <a:t>5/12/25</a:t>
+              <a:t>5/13/25</a:t>
             </a:fld>
             <a:endParaRPr lang="en-US"/>
           </a:p>
@@ -3465,7 +3465,7 @@
           <a:p>
             <a:fld id="{3731B3E4-154A-8745-9F3C-ACEACDDEC42E}" type="datetimeFigureOut">
               <a:rPr lang="en-US" smtClean="0"/>
-              <a:t>5/12/25</a:t>
+              <a:t>5/13/25</a:t>
             </a:fld>
             <a:endParaRPr lang="en-US"/>
           </a:p>
@@ -3706,7 +3706,7 @@
           <a:p>
             <a:fld id="{3731B3E4-154A-8745-9F3C-ACEACDDEC42E}" type="datetimeFigureOut">
               <a:rPr lang="en-US" smtClean="0"/>
-              <a:t>5/12/25</a:t>
+              <a:t>5/13/25</a:t>
             </a:fld>
             <a:endParaRPr lang="en-US"/>
           </a:p>
@@ -5795,7 +5795,7 @@
             <a:pPr algn="ctr"/>
             <a:r>
               <a:rPr lang="en-US" sz="1400" b="1" dirty="0"/>
-              <a:t>sequence </a:t>
+              <a:t>section </a:t>
             </a:r>
           </a:p>
           <a:p>
@@ -6018,22 +6018,28 @@
             <a:r>
               <a:rPr lang="en-US" sz="1400" i="1" dirty="0">
                 <a:solidFill>
-                  <a:schemeClr val="tx1"/>
+                  <a:schemeClr val="accent6">
+                    <a:lumMod val="75000"/>
+                  </a:schemeClr>
                 </a:solidFill>
               </a:rPr>
-              <a:t>section </a:t>
-            </a:r>
-            <a:r>
-              <a:rPr lang="en-US" sz="1400" i="1" dirty="0" err="1">
+              <a:t>section</a:t>
+            </a:r>
+            <a:r>
+              <a:rPr lang="en-US" sz="1400" i="1" baseline="30000" dirty="0">
                 <a:solidFill>
-                  <a:schemeClr val="tx1"/>
+                  <a:schemeClr val="accent6">
+                    <a:lumMod val="75000"/>
+                  </a:schemeClr>
                 </a:solidFill>
               </a:rPr>
-              <a:t>seq</a:t>
+              <a:t>(**)</a:t>
             </a:r>
             <a:endParaRPr lang="en-US" sz="1400" i="1" dirty="0">
               <a:solidFill>
-                <a:schemeClr val="tx1"/>
+                <a:schemeClr val="accent6">
+                  <a:lumMod val="75000"/>
+                </a:schemeClr>
               </a:solidFill>
             </a:endParaRPr>
           </a:p>
@@ -6646,7 +6652,7 @@
           <a:p>
             <a:r>
               <a:rPr lang="en-US" sz="1400" dirty="0"/>
-              <a:t>** Setting sequence to NULL removes it from the survey, but retains it for the purpose of survey editing in the admin tab, (i.e. allows it to be reintroduced without creating it from scratch or breaking continuity with ancestor surveys).</a:t>
+              <a:t>** Setting either section or sequence to NULL removes the element from the survey, but retains it for the purpose of survey editing in the admin tab, (i.e. allows it to be reintroduced without creating it from scratch or breaking continuity with ancestor surveys).</a:t>
             </a:r>
           </a:p>
         </p:txBody>
@@ -6702,6 +6708,884 @@
           </a:p>
         </p:txBody>
       </p:sp>
+      <p:cxnSp>
+        <p:nvCxnSpPr>
+          <p:cNvPr id="6" name="Straight Arrow Connector 5">
+            <a:extLst>
+              <a:ext uri="{FF2B5EF4-FFF2-40B4-BE49-F238E27FC236}">
+                <a16:creationId xmlns:a16="http://schemas.microsoft.com/office/drawing/2014/main" id="{45D1F0DE-F588-454C-AD74-97BB8596475D}"/>
+              </a:ext>
+            </a:extLst>
+          </p:cNvPr>
+          <p:cNvCxnSpPr/>
+          <p:nvPr/>
+        </p:nvCxnSpPr>
+        <p:spPr>
+          <a:xfrm flipH="1" flipV="1">
+            <a:off x="3794069" y="1170432"/>
+            <a:ext cx="1216843" cy="219456"/>
+          </a:xfrm>
+          <a:prstGeom prst="straightConnector1">
+            <a:avLst/>
+          </a:prstGeom>
+          <a:ln>
+            <a:solidFill>
+              <a:schemeClr val="accent6">
+                <a:lumMod val="50000"/>
+              </a:schemeClr>
+            </a:solidFill>
+            <a:tailEnd type="triangle"/>
+          </a:ln>
+        </p:spPr>
+        <p:style>
+          <a:lnRef idx="1">
+            <a:schemeClr val="accent1"/>
+          </a:lnRef>
+          <a:fillRef idx="0">
+            <a:schemeClr val="accent1"/>
+          </a:fillRef>
+          <a:effectRef idx="0">
+            <a:schemeClr val="accent1"/>
+          </a:effectRef>
+          <a:fontRef idx="minor">
+            <a:schemeClr val="tx1"/>
+          </a:fontRef>
+        </p:style>
+      </p:cxnSp>
+      <p:cxnSp>
+        <p:nvCxnSpPr>
+          <p:cNvPr id="9" name="Straight Arrow Connector 8">
+            <a:extLst>
+              <a:ext uri="{FF2B5EF4-FFF2-40B4-BE49-F238E27FC236}">
+                <a16:creationId xmlns:a16="http://schemas.microsoft.com/office/drawing/2014/main" id="{12DC16CC-4A53-1E40-B0F1-D67B759BE804}"/>
+              </a:ext>
+            </a:extLst>
+          </p:cNvPr>
+          <p:cNvCxnSpPr>
+            <a:cxnSpLocks/>
+          </p:cNvCxnSpPr>
+          <p:nvPr/>
+        </p:nvCxnSpPr>
+        <p:spPr>
+          <a:xfrm flipH="1" flipV="1">
+            <a:off x="3794069" y="740664"/>
+            <a:ext cx="1216843" cy="228600"/>
+          </a:xfrm>
+          <a:prstGeom prst="straightConnector1">
+            <a:avLst/>
+          </a:prstGeom>
+          <a:ln>
+            <a:solidFill>
+              <a:schemeClr val="accent1"/>
+            </a:solidFill>
+            <a:tailEnd type="triangle"/>
+          </a:ln>
+        </p:spPr>
+        <p:style>
+          <a:lnRef idx="1">
+            <a:schemeClr val="accent1"/>
+          </a:lnRef>
+          <a:fillRef idx="0">
+            <a:schemeClr val="accent1"/>
+          </a:fillRef>
+          <a:effectRef idx="0">
+            <a:schemeClr val="accent1"/>
+          </a:effectRef>
+          <a:fontRef idx="minor">
+            <a:schemeClr val="tx1"/>
+          </a:fontRef>
+        </p:style>
+      </p:cxnSp>
+      <p:cxnSp>
+        <p:nvCxnSpPr>
+          <p:cNvPr id="16" name="Straight Arrow Connector 15">
+            <a:extLst>
+              <a:ext uri="{FF2B5EF4-FFF2-40B4-BE49-F238E27FC236}">
+                <a16:creationId xmlns:a16="http://schemas.microsoft.com/office/drawing/2014/main" id="{96ABE103-5573-574A-B08C-01FD7FEB7279}"/>
+              </a:ext>
+            </a:extLst>
+          </p:cNvPr>
+          <p:cNvCxnSpPr>
+            <a:cxnSpLocks/>
+          </p:cNvCxnSpPr>
+          <p:nvPr/>
+        </p:nvCxnSpPr>
+        <p:spPr>
+          <a:xfrm flipH="1" flipV="1">
+            <a:off x="3886200" y="969264"/>
+            <a:ext cx="1124712" cy="201168"/>
+          </a:xfrm>
+          <a:prstGeom prst="straightConnector1">
+            <a:avLst/>
+          </a:prstGeom>
+          <a:ln>
+            <a:solidFill>
+              <a:schemeClr val="accent1"/>
+            </a:solidFill>
+            <a:tailEnd type="triangle"/>
+          </a:ln>
+        </p:spPr>
+        <p:style>
+          <a:lnRef idx="1">
+            <a:schemeClr val="accent1"/>
+          </a:lnRef>
+          <a:fillRef idx="0">
+            <a:schemeClr val="accent1"/>
+          </a:fillRef>
+          <a:effectRef idx="0">
+            <a:schemeClr val="accent1"/>
+          </a:effectRef>
+          <a:fontRef idx="minor">
+            <a:schemeClr val="tx1"/>
+          </a:fontRef>
+        </p:style>
+      </p:cxnSp>
+      <p:cxnSp>
+        <p:nvCxnSpPr>
+          <p:cNvPr id="20" name="Straight Arrow Connector 19">
+            <a:extLst>
+              <a:ext uri="{FF2B5EF4-FFF2-40B4-BE49-F238E27FC236}">
+                <a16:creationId xmlns:a16="http://schemas.microsoft.com/office/drawing/2014/main" id="{964A95D9-A607-FF43-9160-B40D48ED490C}"/>
+              </a:ext>
+            </a:extLst>
+          </p:cNvPr>
+          <p:cNvCxnSpPr>
+            <a:cxnSpLocks/>
+          </p:cNvCxnSpPr>
+          <p:nvPr/>
+        </p:nvCxnSpPr>
+        <p:spPr>
+          <a:xfrm flipH="1">
+            <a:off x="1572768" y="969264"/>
+            <a:ext cx="1312654" cy="1026386"/>
+          </a:xfrm>
+          <a:prstGeom prst="straightConnector1">
+            <a:avLst/>
+          </a:prstGeom>
+          <a:ln>
+            <a:tailEnd type="triangle"/>
+          </a:ln>
+        </p:spPr>
+        <p:style>
+          <a:lnRef idx="1">
+            <a:schemeClr val="accent1"/>
+          </a:lnRef>
+          <a:fillRef idx="0">
+            <a:schemeClr val="accent1"/>
+          </a:fillRef>
+          <a:effectRef idx="0">
+            <a:schemeClr val="accent1"/>
+          </a:effectRef>
+          <a:fontRef idx="minor">
+            <a:schemeClr val="tx1"/>
+          </a:fontRef>
+        </p:style>
+      </p:cxnSp>
+      <p:cxnSp>
+        <p:nvCxnSpPr>
+          <p:cNvPr id="22" name="Straight Arrow Connector 21">
+            <a:extLst>
+              <a:ext uri="{FF2B5EF4-FFF2-40B4-BE49-F238E27FC236}">
+                <a16:creationId xmlns:a16="http://schemas.microsoft.com/office/drawing/2014/main" id="{6C4F1B09-0403-3948-A56F-B6C5FC52A34F}"/>
+              </a:ext>
+            </a:extLst>
+          </p:cNvPr>
+          <p:cNvCxnSpPr>
+            <a:cxnSpLocks/>
+          </p:cNvCxnSpPr>
+          <p:nvPr/>
+        </p:nvCxnSpPr>
+        <p:spPr>
+          <a:xfrm flipH="1">
+            <a:off x="1426464" y="740664"/>
+            <a:ext cx="1458958" cy="0"/>
+          </a:xfrm>
+          <a:prstGeom prst="straightConnector1">
+            <a:avLst/>
+          </a:prstGeom>
+          <a:ln>
+            <a:tailEnd type="triangle"/>
+          </a:ln>
+        </p:spPr>
+        <p:style>
+          <a:lnRef idx="1">
+            <a:schemeClr val="accent1"/>
+          </a:lnRef>
+          <a:fillRef idx="0">
+            <a:schemeClr val="accent1"/>
+          </a:fillRef>
+          <a:effectRef idx="0">
+            <a:schemeClr val="accent1"/>
+          </a:effectRef>
+          <a:fontRef idx="minor">
+            <a:schemeClr val="tx1"/>
+          </a:fontRef>
+        </p:style>
+      </p:cxnSp>
+      <p:sp>
+        <p:nvSpPr>
+          <p:cNvPr id="30" name="Rectangle 29">
+            <a:extLst>
+              <a:ext uri="{FF2B5EF4-FFF2-40B4-BE49-F238E27FC236}">
+                <a16:creationId xmlns:a16="http://schemas.microsoft.com/office/drawing/2014/main" id="{9D3FDDB8-0423-B549-A589-281FD263683C}"/>
+              </a:ext>
+            </a:extLst>
+          </p:cNvPr>
+          <p:cNvSpPr/>
+          <p:nvPr/>
+        </p:nvSpPr>
+        <p:spPr>
+          <a:xfrm>
+            <a:off x="5879592" y="877824"/>
+            <a:ext cx="64008" cy="91440"/>
+          </a:xfrm>
+          <a:prstGeom prst="rect">
+            <a:avLst/>
+          </a:prstGeom>
+          <a:noFill/>
+          <a:ln>
+            <a:noFill/>
+          </a:ln>
+        </p:spPr>
+        <p:style>
+          <a:lnRef idx="2">
+            <a:schemeClr val="accent1">
+              <a:shade val="50000"/>
+            </a:schemeClr>
+          </a:lnRef>
+          <a:fillRef idx="1">
+            <a:schemeClr val="accent1"/>
+          </a:fillRef>
+          <a:effectRef idx="0">
+            <a:schemeClr val="accent1"/>
+          </a:effectRef>
+          <a:fontRef idx="minor">
+            <a:schemeClr val="lt1"/>
+          </a:fontRef>
+        </p:style>
+        <p:txBody>
+          <a:bodyPr rtlCol="0" anchor="ctr"/>
+          <a:lstStyle/>
+          <a:p>
+            <a:pPr algn="ctr"/>
+            <a:endParaRPr lang="en-US"/>
+          </a:p>
+        </p:txBody>
+      </p:sp>
+      <p:sp>
+        <p:nvSpPr>
+          <p:cNvPr id="34" name="Rectangle 33">
+            <a:extLst>
+              <a:ext uri="{FF2B5EF4-FFF2-40B4-BE49-F238E27FC236}">
+                <a16:creationId xmlns:a16="http://schemas.microsoft.com/office/drawing/2014/main" id="{F84F6C0E-A8CE-244B-AD79-68054D4F0E7E}"/>
+              </a:ext>
+            </a:extLst>
+          </p:cNvPr>
+          <p:cNvSpPr/>
+          <p:nvPr/>
+        </p:nvSpPr>
+        <p:spPr>
+          <a:xfrm>
+            <a:off x="5949696" y="1103376"/>
+            <a:ext cx="64008" cy="91440"/>
+          </a:xfrm>
+          <a:prstGeom prst="rect">
+            <a:avLst/>
+          </a:prstGeom>
+          <a:noFill/>
+          <a:ln>
+            <a:noFill/>
+          </a:ln>
+        </p:spPr>
+        <p:style>
+          <a:lnRef idx="2">
+            <a:schemeClr val="accent1">
+              <a:shade val="50000"/>
+            </a:schemeClr>
+          </a:lnRef>
+          <a:fillRef idx="1">
+            <a:schemeClr val="accent1"/>
+          </a:fillRef>
+          <a:effectRef idx="0">
+            <a:schemeClr val="accent1"/>
+          </a:effectRef>
+          <a:fontRef idx="minor">
+            <a:schemeClr val="lt1"/>
+          </a:fontRef>
+        </p:style>
+        <p:txBody>
+          <a:bodyPr rtlCol="0" anchor="ctr"/>
+          <a:lstStyle/>
+          <a:p>
+            <a:pPr algn="ctr"/>
+            <a:endParaRPr lang="en-US"/>
+          </a:p>
+        </p:txBody>
+      </p:sp>
+      <p:sp>
+        <p:nvSpPr>
+          <p:cNvPr id="35" name="Rectangle 34">
+            <a:extLst>
+              <a:ext uri="{FF2B5EF4-FFF2-40B4-BE49-F238E27FC236}">
+                <a16:creationId xmlns:a16="http://schemas.microsoft.com/office/drawing/2014/main" id="{EDC77F6A-ED36-8D4D-86CC-1D43EA8D4C67}"/>
+              </a:ext>
+            </a:extLst>
+          </p:cNvPr>
+          <p:cNvSpPr/>
+          <p:nvPr/>
+        </p:nvSpPr>
+        <p:spPr>
+          <a:xfrm>
+            <a:off x="5608320" y="688848"/>
+            <a:ext cx="64008" cy="91440"/>
+          </a:xfrm>
+          <a:prstGeom prst="rect">
+            <a:avLst/>
+          </a:prstGeom>
+          <a:noFill/>
+          <a:ln>
+            <a:noFill/>
+          </a:ln>
+        </p:spPr>
+        <p:style>
+          <a:lnRef idx="2">
+            <a:schemeClr val="accent1">
+              <a:shade val="50000"/>
+            </a:schemeClr>
+          </a:lnRef>
+          <a:fillRef idx="1">
+            <a:schemeClr val="accent1"/>
+          </a:fillRef>
+          <a:effectRef idx="0">
+            <a:schemeClr val="accent1"/>
+          </a:effectRef>
+          <a:fontRef idx="minor">
+            <a:schemeClr val="lt1"/>
+          </a:fontRef>
+        </p:style>
+        <p:txBody>
+          <a:bodyPr rtlCol="0" anchor="ctr"/>
+          <a:lstStyle/>
+          <a:p>
+            <a:pPr algn="ctr"/>
+            <a:endParaRPr lang="en-US"/>
+          </a:p>
+        </p:txBody>
+      </p:sp>
+      <p:sp>
+        <p:nvSpPr>
+          <p:cNvPr id="38" name="Rectangle 37">
+            <a:extLst>
+              <a:ext uri="{FF2B5EF4-FFF2-40B4-BE49-F238E27FC236}">
+                <a16:creationId xmlns:a16="http://schemas.microsoft.com/office/drawing/2014/main" id="{89C310FB-A59C-A94A-9178-25ECBD2C2C95}"/>
+              </a:ext>
+            </a:extLst>
+          </p:cNvPr>
+          <p:cNvSpPr/>
+          <p:nvPr/>
+        </p:nvSpPr>
+        <p:spPr>
+          <a:xfrm>
+            <a:off x="5931408" y="2913888"/>
+            <a:ext cx="64008" cy="91440"/>
+          </a:xfrm>
+          <a:prstGeom prst="rect">
+            <a:avLst/>
+          </a:prstGeom>
+          <a:noFill/>
+          <a:ln>
+            <a:noFill/>
+          </a:ln>
+        </p:spPr>
+        <p:style>
+          <a:lnRef idx="2">
+            <a:schemeClr val="accent1">
+              <a:shade val="50000"/>
+            </a:schemeClr>
+          </a:lnRef>
+          <a:fillRef idx="1">
+            <a:schemeClr val="accent1"/>
+          </a:fillRef>
+          <a:effectRef idx="0">
+            <a:schemeClr val="accent1"/>
+          </a:effectRef>
+          <a:fontRef idx="minor">
+            <a:schemeClr val="lt1"/>
+          </a:fontRef>
+        </p:style>
+        <p:txBody>
+          <a:bodyPr rtlCol="0" anchor="ctr"/>
+          <a:lstStyle/>
+          <a:p>
+            <a:pPr algn="ctr"/>
+            <a:endParaRPr lang="en-US"/>
+          </a:p>
+        </p:txBody>
+      </p:sp>
+      <p:sp>
+        <p:nvSpPr>
+          <p:cNvPr id="39" name="Rectangle 38">
+            <a:extLst>
+              <a:ext uri="{FF2B5EF4-FFF2-40B4-BE49-F238E27FC236}">
+                <a16:creationId xmlns:a16="http://schemas.microsoft.com/office/drawing/2014/main" id="{3754C35D-A045-0D4E-89F6-33056654F33C}"/>
+              </a:ext>
+            </a:extLst>
+          </p:cNvPr>
+          <p:cNvSpPr/>
+          <p:nvPr/>
+        </p:nvSpPr>
+        <p:spPr>
+          <a:xfrm>
+            <a:off x="6001512" y="3139440"/>
+            <a:ext cx="64008" cy="91440"/>
+          </a:xfrm>
+          <a:prstGeom prst="rect">
+            <a:avLst/>
+          </a:prstGeom>
+          <a:noFill/>
+          <a:ln>
+            <a:noFill/>
+          </a:ln>
+        </p:spPr>
+        <p:style>
+          <a:lnRef idx="2">
+            <a:schemeClr val="accent1">
+              <a:shade val="50000"/>
+            </a:schemeClr>
+          </a:lnRef>
+          <a:fillRef idx="1">
+            <a:schemeClr val="accent1"/>
+          </a:fillRef>
+          <a:effectRef idx="0">
+            <a:schemeClr val="accent1"/>
+          </a:effectRef>
+          <a:fontRef idx="minor">
+            <a:schemeClr val="lt1"/>
+          </a:fontRef>
+        </p:style>
+        <p:txBody>
+          <a:bodyPr rtlCol="0" anchor="ctr"/>
+          <a:lstStyle/>
+          <a:p>
+            <a:pPr algn="ctr"/>
+            <a:endParaRPr lang="en-US"/>
+          </a:p>
+        </p:txBody>
+      </p:sp>
+      <p:sp>
+        <p:nvSpPr>
+          <p:cNvPr id="42" name="Rectangle 41">
+            <a:extLst>
+              <a:ext uri="{FF2B5EF4-FFF2-40B4-BE49-F238E27FC236}">
+                <a16:creationId xmlns:a16="http://schemas.microsoft.com/office/drawing/2014/main" id="{7B54BCB4-B866-644C-A265-14D7C9011116}"/>
+              </a:ext>
+            </a:extLst>
+          </p:cNvPr>
+          <p:cNvSpPr/>
+          <p:nvPr/>
+        </p:nvSpPr>
+        <p:spPr>
+          <a:xfrm>
+            <a:off x="5940552" y="3325368"/>
+            <a:ext cx="64008" cy="91440"/>
+          </a:xfrm>
+          <a:prstGeom prst="rect">
+            <a:avLst/>
+          </a:prstGeom>
+          <a:noFill/>
+          <a:ln>
+            <a:noFill/>
+          </a:ln>
+        </p:spPr>
+        <p:style>
+          <a:lnRef idx="2">
+            <a:schemeClr val="accent1">
+              <a:shade val="50000"/>
+            </a:schemeClr>
+          </a:lnRef>
+          <a:fillRef idx="1">
+            <a:schemeClr val="accent1"/>
+          </a:fillRef>
+          <a:effectRef idx="0">
+            <a:schemeClr val="accent1"/>
+          </a:effectRef>
+          <a:fontRef idx="minor">
+            <a:schemeClr val="lt1"/>
+          </a:fontRef>
+        </p:style>
+        <p:txBody>
+          <a:bodyPr rtlCol="0" anchor="ctr"/>
+          <a:lstStyle/>
+          <a:p>
+            <a:pPr algn="ctr"/>
+            <a:endParaRPr lang="en-US"/>
+          </a:p>
+        </p:txBody>
+      </p:sp>
+      <p:cxnSp>
+        <p:nvCxnSpPr>
+          <p:cNvPr id="44" name="Elbow Connector 43">
+            <a:extLst>
+              <a:ext uri="{FF2B5EF4-FFF2-40B4-BE49-F238E27FC236}">
+                <a16:creationId xmlns:a16="http://schemas.microsoft.com/office/drawing/2014/main" id="{3E67BC75-5DF3-7D42-849A-4611CAFF548C}"/>
+              </a:ext>
+            </a:extLst>
+          </p:cNvPr>
+          <p:cNvCxnSpPr>
+            <a:cxnSpLocks/>
+            <a:stCxn id="38" idx="3"/>
+            <a:endCxn id="30" idx="3"/>
+          </p:cNvCxnSpPr>
+          <p:nvPr/>
+        </p:nvCxnSpPr>
+        <p:spPr>
+          <a:xfrm flipH="1" flipV="1">
+            <a:off x="5943600" y="923544"/>
+            <a:ext cx="51816" cy="2036064"/>
+          </a:xfrm>
+          <a:prstGeom prst="bentConnector3">
+            <a:avLst>
+              <a:gd name="adj1" fmla="val -1286095"/>
+            </a:avLst>
+          </a:prstGeom>
+          <a:ln>
+            <a:solidFill>
+              <a:schemeClr val="accent1"/>
+            </a:solidFill>
+            <a:tailEnd type="triangle"/>
+          </a:ln>
+        </p:spPr>
+        <p:style>
+          <a:lnRef idx="2">
+            <a:schemeClr val="accent2"/>
+          </a:lnRef>
+          <a:fillRef idx="0">
+            <a:schemeClr val="accent2"/>
+          </a:fillRef>
+          <a:effectRef idx="1">
+            <a:schemeClr val="accent2"/>
+          </a:effectRef>
+          <a:fontRef idx="minor">
+            <a:schemeClr val="tx1"/>
+          </a:fontRef>
+        </p:style>
+      </p:cxnSp>
+      <p:cxnSp>
+        <p:nvCxnSpPr>
+          <p:cNvPr id="46" name="Elbow Connector 45">
+            <a:extLst>
+              <a:ext uri="{FF2B5EF4-FFF2-40B4-BE49-F238E27FC236}">
+                <a16:creationId xmlns:a16="http://schemas.microsoft.com/office/drawing/2014/main" id="{909D628B-5BA4-A446-ABF2-154DF690CB29}"/>
+              </a:ext>
+            </a:extLst>
+          </p:cNvPr>
+          <p:cNvCxnSpPr>
+            <a:cxnSpLocks/>
+            <a:stCxn id="39" idx="3"/>
+            <a:endCxn id="34" idx="3"/>
+          </p:cNvCxnSpPr>
+          <p:nvPr/>
+        </p:nvCxnSpPr>
+        <p:spPr>
+          <a:xfrm flipH="1" flipV="1">
+            <a:off x="6013704" y="1149096"/>
+            <a:ext cx="51816" cy="2036064"/>
+          </a:xfrm>
+          <a:prstGeom prst="bentConnector3">
+            <a:avLst>
+              <a:gd name="adj1" fmla="val -1371657"/>
+            </a:avLst>
+          </a:prstGeom>
+          <a:ln>
+            <a:solidFill>
+              <a:schemeClr val="accent1"/>
+            </a:solidFill>
+            <a:tailEnd type="triangle"/>
+          </a:ln>
+        </p:spPr>
+        <p:style>
+          <a:lnRef idx="2">
+            <a:schemeClr val="accent2"/>
+          </a:lnRef>
+          <a:fillRef idx="0">
+            <a:schemeClr val="accent2"/>
+          </a:fillRef>
+          <a:effectRef idx="1">
+            <a:schemeClr val="accent2"/>
+          </a:effectRef>
+          <a:fontRef idx="minor">
+            <a:schemeClr val="tx1"/>
+          </a:fontRef>
+        </p:style>
+      </p:cxnSp>
+      <p:cxnSp>
+        <p:nvCxnSpPr>
+          <p:cNvPr id="50" name="Elbow Connector 49">
+            <a:extLst>
+              <a:ext uri="{FF2B5EF4-FFF2-40B4-BE49-F238E27FC236}">
+                <a16:creationId xmlns:a16="http://schemas.microsoft.com/office/drawing/2014/main" id="{90ECF5CF-00DB-CB40-B513-71AD558FB12F}"/>
+              </a:ext>
+            </a:extLst>
+          </p:cNvPr>
+          <p:cNvCxnSpPr>
+            <a:cxnSpLocks/>
+            <a:stCxn id="42" idx="3"/>
+            <a:endCxn id="35" idx="3"/>
+          </p:cNvCxnSpPr>
+          <p:nvPr/>
+        </p:nvCxnSpPr>
+        <p:spPr>
+          <a:xfrm flipH="1" flipV="1">
+            <a:off x="5672328" y="734568"/>
+            <a:ext cx="332232" cy="2636520"/>
+          </a:xfrm>
+          <a:prstGeom prst="bentConnector3">
+            <a:avLst>
+              <a:gd name="adj1" fmla="val -258966"/>
+            </a:avLst>
+          </a:prstGeom>
+          <a:ln>
+            <a:solidFill>
+              <a:schemeClr val="accent4">
+                <a:lumMod val="75000"/>
+              </a:schemeClr>
+            </a:solidFill>
+            <a:tailEnd type="triangle"/>
+          </a:ln>
+        </p:spPr>
+        <p:style>
+          <a:lnRef idx="2">
+            <a:schemeClr val="accent2"/>
+          </a:lnRef>
+          <a:fillRef idx="0">
+            <a:schemeClr val="accent2"/>
+          </a:fillRef>
+          <a:effectRef idx="1">
+            <a:schemeClr val="accent2"/>
+          </a:effectRef>
+          <a:fontRef idx="minor">
+            <a:schemeClr val="tx1"/>
+          </a:fontRef>
+        </p:style>
+      </p:cxnSp>
+      <p:cxnSp>
+        <p:nvCxnSpPr>
+          <p:cNvPr id="55" name="Straight Arrow Connector 54">
+            <a:extLst>
+              <a:ext uri="{FF2B5EF4-FFF2-40B4-BE49-F238E27FC236}">
+                <a16:creationId xmlns:a16="http://schemas.microsoft.com/office/drawing/2014/main" id="{A6F05F1B-59C2-594B-8777-EF57B6D5412A}"/>
+              </a:ext>
+            </a:extLst>
+          </p:cNvPr>
+          <p:cNvCxnSpPr>
+            <a:cxnSpLocks/>
+          </p:cNvCxnSpPr>
+          <p:nvPr/>
+        </p:nvCxnSpPr>
+        <p:spPr>
+          <a:xfrm flipH="1" flipV="1">
+            <a:off x="1347115" y="2768782"/>
+            <a:ext cx="3733393" cy="826862"/>
+          </a:xfrm>
+          <a:prstGeom prst="straightConnector1">
+            <a:avLst/>
+          </a:prstGeom>
+          <a:ln>
+            <a:solidFill>
+              <a:schemeClr val="bg1">
+                <a:lumMod val="50000"/>
+              </a:schemeClr>
+            </a:solidFill>
+            <a:tailEnd type="triangle"/>
+          </a:ln>
+        </p:spPr>
+        <p:style>
+          <a:lnRef idx="1">
+            <a:schemeClr val="dk1"/>
+          </a:lnRef>
+          <a:fillRef idx="0">
+            <a:schemeClr val="dk1"/>
+          </a:fillRef>
+          <a:effectRef idx="0">
+            <a:schemeClr val="dk1"/>
+          </a:effectRef>
+          <a:fontRef idx="minor">
+            <a:schemeClr val="tx1"/>
+          </a:fontRef>
+        </p:style>
+      </p:cxnSp>
+      <p:cxnSp>
+        <p:nvCxnSpPr>
+          <p:cNvPr id="58" name="Straight Arrow Connector 57">
+            <a:extLst>
+              <a:ext uri="{FF2B5EF4-FFF2-40B4-BE49-F238E27FC236}">
+                <a16:creationId xmlns:a16="http://schemas.microsoft.com/office/drawing/2014/main" id="{2552223E-B007-4D4F-B738-DD2528BEEDC8}"/>
+              </a:ext>
+            </a:extLst>
+          </p:cNvPr>
+          <p:cNvCxnSpPr>
+            <a:cxnSpLocks/>
+          </p:cNvCxnSpPr>
+          <p:nvPr/>
+        </p:nvCxnSpPr>
+        <p:spPr>
+          <a:xfrm flipH="1" flipV="1">
+            <a:off x="1703672" y="3182213"/>
+            <a:ext cx="3293220" cy="1"/>
+          </a:xfrm>
+          <a:prstGeom prst="straightConnector1">
+            <a:avLst/>
+          </a:prstGeom>
+          <a:ln>
+            <a:solidFill>
+              <a:schemeClr val="accent1"/>
+            </a:solidFill>
+            <a:tailEnd type="triangle"/>
+          </a:ln>
+        </p:spPr>
+        <p:style>
+          <a:lnRef idx="1">
+            <a:schemeClr val="dk1"/>
+          </a:lnRef>
+          <a:fillRef idx="0">
+            <a:schemeClr val="dk1"/>
+          </a:fillRef>
+          <a:effectRef idx="0">
+            <a:schemeClr val="dk1"/>
+          </a:effectRef>
+          <a:fontRef idx="minor">
+            <a:schemeClr val="tx1"/>
+          </a:fontRef>
+        </p:style>
+      </p:cxnSp>
+      <p:cxnSp>
+        <p:nvCxnSpPr>
+          <p:cNvPr id="61" name="Straight Arrow Connector 60">
+            <a:extLst>
+              <a:ext uri="{FF2B5EF4-FFF2-40B4-BE49-F238E27FC236}">
+                <a16:creationId xmlns:a16="http://schemas.microsoft.com/office/drawing/2014/main" id="{7981D8C5-7B92-A343-84C6-72D5DA5AA17F}"/>
+              </a:ext>
+            </a:extLst>
+          </p:cNvPr>
+          <p:cNvCxnSpPr>
+            <a:cxnSpLocks/>
+          </p:cNvCxnSpPr>
+          <p:nvPr/>
+        </p:nvCxnSpPr>
+        <p:spPr>
+          <a:xfrm flipH="1">
+            <a:off x="1637836" y="2975497"/>
+            <a:ext cx="3373077" cy="0"/>
+          </a:xfrm>
+          <a:prstGeom prst="straightConnector1">
+            <a:avLst/>
+          </a:prstGeom>
+          <a:ln>
+            <a:solidFill>
+              <a:schemeClr val="accent1"/>
+            </a:solidFill>
+            <a:tailEnd type="triangle"/>
+          </a:ln>
+        </p:spPr>
+        <p:style>
+          <a:lnRef idx="1">
+            <a:schemeClr val="dk1"/>
+          </a:lnRef>
+          <a:fillRef idx="0">
+            <a:schemeClr val="dk1"/>
+          </a:fillRef>
+          <a:effectRef idx="0">
+            <a:schemeClr val="dk1"/>
+          </a:effectRef>
+          <a:fontRef idx="minor">
+            <a:schemeClr val="tx1"/>
+          </a:fontRef>
+        </p:style>
+      </p:cxnSp>
+      <p:sp>
+        <p:nvSpPr>
+          <p:cNvPr id="64" name="TextBox 63">
+            <a:extLst>
+              <a:ext uri="{FF2B5EF4-FFF2-40B4-BE49-F238E27FC236}">
+                <a16:creationId xmlns:a16="http://schemas.microsoft.com/office/drawing/2014/main" id="{5662FDA0-3F8A-A54B-AF7F-6DB8B4F37CD3}"/>
+              </a:ext>
+            </a:extLst>
+          </p:cNvPr>
+          <p:cNvSpPr txBox="1"/>
+          <p:nvPr/>
+        </p:nvSpPr>
+        <p:spPr>
+          <a:xfrm rot="19325827">
+            <a:off x="1777708" y="1204495"/>
+            <a:ext cx="962123" cy="261610"/>
+          </a:xfrm>
+          <a:prstGeom prst="rect">
+            <a:avLst/>
+          </a:prstGeom>
+          <a:noFill/>
+        </p:spPr>
+        <p:txBody>
+          <a:bodyPr wrap="none" rtlCol="0">
+            <a:spAutoFit/>
+          </a:bodyPr>
+          <a:lstStyle/>
+          <a:p>
+            <a:r>
+              <a:rPr lang="en-US" sz="1100" dirty="0">
+                <a:solidFill>
+                  <a:schemeClr val="accent1">
+                    <a:lumMod val="75000"/>
+                  </a:schemeClr>
+                </a:solidFill>
+              </a:rPr>
+              <a:t>max less than</a:t>
+            </a:r>
+          </a:p>
+        </p:txBody>
+      </p:sp>
+      <p:cxnSp>
+        <p:nvCxnSpPr>
+          <p:cNvPr id="69" name="Elbow Connector 68">
+            <a:extLst>
+              <a:ext uri="{FF2B5EF4-FFF2-40B4-BE49-F238E27FC236}">
+                <a16:creationId xmlns:a16="http://schemas.microsoft.com/office/drawing/2014/main" id="{46FF9ADB-E77E-F342-9B9E-28EDE8C109CA}"/>
+              </a:ext>
+            </a:extLst>
+          </p:cNvPr>
+          <p:cNvCxnSpPr>
+            <a:cxnSpLocks/>
+          </p:cNvCxnSpPr>
+          <p:nvPr/>
+        </p:nvCxnSpPr>
+        <p:spPr>
+          <a:xfrm rot="10800000" flipH="1">
+            <a:off x="719127" y="752155"/>
+            <a:ext cx="302848" cy="1084383"/>
+          </a:xfrm>
+          <a:prstGeom prst="bentConnector3">
+            <a:avLst>
+              <a:gd name="adj1" fmla="val -75483"/>
+            </a:avLst>
+          </a:prstGeom>
+          <a:ln>
+            <a:tailEnd type="triangle"/>
+          </a:ln>
+        </p:spPr>
+        <p:style>
+          <a:lnRef idx="1">
+            <a:schemeClr val="accent1"/>
+          </a:lnRef>
+          <a:fillRef idx="0">
+            <a:schemeClr val="accent1"/>
+          </a:fillRef>
+          <a:effectRef idx="0">
+            <a:schemeClr val="accent1"/>
+          </a:effectRef>
+          <a:fontRef idx="minor">
+            <a:schemeClr val="tx1"/>
+          </a:fontRef>
+        </p:style>
+      </p:cxnSp>
     </p:spTree>
     <p:extLst>
       <p:ext uri="{BB962C8B-B14F-4D97-AF65-F5344CB8AC3E}">

--- a/SurveyTables.pptx
+++ b/SurveyTables.pptx
@@ -215,7 +215,7 @@
           <a:p>
             <a:fld id="{27983993-457D-4B44-87E0-F1832B9FDEA8}" type="datetimeFigureOut">
               <a:rPr lang="en-US" smtClean="0"/>
-              <a:t>5/13/25</a:t>
+              <a:t>5/24/25</a:t>
             </a:fld>
             <a:endParaRPr lang="en-US"/>
           </a:p>
@@ -1049,7 +1049,7 @@
           <a:p>
             <a:fld id="{3731B3E4-154A-8745-9F3C-ACEACDDEC42E}" type="datetimeFigureOut">
               <a:rPr lang="en-US" smtClean="0"/>
-              <a:t>5/13/25</a:t>
+              <a:t>5/24/25</a:t>
             </a:fld>
             <a:endParaRPr lang="en-US"/>
           </a:p>
@@ -1247,7 +1247,7 @@
           <a:p>
             <a:fld id="{3731B3E4-154A-8745-9F3C-ACEACDDEC42E}" type="datetimeFigureOut">
               <a:rPr lang="en-US" smtClean="0"/>
-              <a:t>5/13/25</a:t>
+              <a:t>5/24/25</a:t>
             </a:fld>
             <a:endParaRPr lang="en-US"/>
           </a:p>
@@ -1455,7 +1455,7 @@
           <a:p>
             <a:fld id="{3731B3E4-154A-8745-9F3C-ACEACDDEC42E}" type="datetimeFigureOut">
               <a:rPr lang="en-US" smtClean="0"/>
-              <a:t>5/13/25</a:t>
+              <a:t>5/24/25</a:t>
             </a:fld>
             <a:endParaRPr lang="en-US"/>
           </a:p>
@@ -1660,7 +1660,7 @@
           <a:p>
             <a:fld id="{3731B3E4-154A-8745-9F3C-ACEACDDEC42E}" type="datetimeFigureOut">
               <a:rPr lang="en-US" smtClean="0"/>
-              <a:t>5/13/25</a:t>
+              <a:t>5/24/25</a:t>
             </a:fld>
             <a:endParaRPr lang="en-US"/>
           </a:p>
@@ -1935,7 +1935,7 @@
           <a:p>
             <a:fld id="{3731B3E4-154A-8745-9F3C-ACEACDDEC42E}" type="datetimeFigureOut">
               <a:rPr lang="en-US" smtClean="0"/>
-              <a:t>5/13/25</a:t>
+              <a:t>5/24/25</a:t>
             </a:fld>
             <a:endParaRPr lang="en-US"/>
           </a:p>
@@ -2200,7 +2200,7 @@
           <a:p>
             <a:fld id="{3731B3E4-154A-8745-9F3C-ACEACDDEC42E}" type="datetimeFigureOut">
               <a:rPr lang="en-US" smtClean="0"/>
-              <a:t>5/13/25</a:t>
+              <a:t>5/24/25</a:t>
             </a:fld>
             <a:endParaRPr lang="en-US"/>
           </a:p>
@@ -2612,7 +2612,7 @@
           <a:p>
             <a:fld id="{3731B3E4-154A-8745-9F3C-ACEACDDEC42E}" type="datetimeFigureOut">
               <a:rPr lang="en-US" smtClean="0"/>
-              <a:t>5/13/25</a:t>
+              <a:t>5/24/25</a:t>
             </a:fld>
             <a:endParaRPr lang="en-US"/>
           </a:p>
@@ -2753,7 +2753,7 @@
           <a:p>
             <a:fld id="{3731B3E4-154A-8745-9F3C-ACEACDDEC42E}" type="datetimeFigureOut">
               <a:rPr lang="en-US" smtClean="0"/>
-              <a:t>5/13/25</a:t>
+              <a:t>5/24/25</a:t>
             </a:fld>
             <a:endParaRPr lang="en-US"/>
           </a:p>
@@ -2866,7 +2866,7 @@
           <a:p>
             <a:fld id="{3731B3E4-154A-8745-9F3C-ACEACDDEC42E}" type="datetimeFigureOut">
               <a:rPr lang="en-US" smtClean="0"/>
-              <a:t>5/13/25</a:t>
+              <a:t>5/24/25</a:t>
             </a:fld>
             <a:endParaRPr lang="en-US"/>
           </a:p>
@@ -3177,7 +3177,7 @@
           <a:p>
             <a:fld id="{3731B3E4-154A-8745-9F3C-ACEACDDEC42E}" type="datetimeFigureOut">
               <a:rPr lang="en-US" smtClean="0"/>
-              <a:t>5/13/25</a:t>
+              <a:t>5/24/25</a:t>
             </a:fld>
             <a:endParaRPr lang="en-US"/>
           </a:p>
@@ -3465,7 +3465,7 @@
           <a:p>
             <a:fld id="{3731B3E4-154A-8745-9F3C-ACEACDDEC42E}" type="datetimeFigureOut">
               <a:rPr lang="en-US" smtClean="0"/>
-              <a:t>5/13/25</a:t>
+              <a:t>5/24/25</a:t>
             </a:fld>
             <a:endParaRPr lang="en-US"/>
           </a:p>
@@ -3706,7 +3706,7 @@
           <a:p>
             <a:fld id="{3731B3E4-154A-8745-9F3C-ACEACDDEC42E}" type="datetimeFigureOut">
               <a:rPr lang="en-US" smtClean="0"/>
-              <a:t>5/13/25</a:t>
+              <a:t>5/24/25</a:t>
             </a:fld>
             <a:endParaRPr lang="en-US"/>
           </a:p>
@@ -4360,7 +4360,7 @@
             <a:pPr algn="ctr"/>
             <a:r>
               <a:rPr lang="en-US" sz="1400" dirty="0" err="1"/>
-              <a:t>element_id</a:t>
+              <a:t>question_id</a:t>
             </a:r>
             <a:endParaRPr lang="en-US" sz="1400" dirty="0"/>
           </a:p>
@@ -4559,7 +4559,7 @@
             <a:pPr algn="ctr"/>
             <a:r>
               <a:rPr lang="en-US" dirty="0"/>
-              <a:t>Element</a:t>
+              <a:t>Question</a:t>
             </a:r>
           </a:p>
           <a:p>
@@ -4875,7 +4875,7 @@
             <a:pPr algn="ctr"/>
             <a:r>
               <a:rPr lang="en-US" sz="1400" b="1" dirty="0" err="1"/>
-              <a:t>element_seq</a:t>
+              <a:t>question_seq</a:t>
             </a:r>
             <a:endParaRPr lang="en-US" sz="1400" b="1" dirty="0"/>
           </a:p>
@@ -4887,7 +4887,7 @@
                   <a:srgbClr val="C00000"/>
                 </a:solidFill>
               </a:rPr>
-              <a:t>element_id</a:t>
+              <a:t>question_id</a:t>
             </a:r>
             <a:r>
               <a:rPr lang="en-US" sz="1400" dirty="0">
@@ -4902,7 +4902,7 @@
             <a:pPr algn="ctr"/>
             <a:r>
               <a:rPr lang="en-US" sz="1400" dirty="0" err="1"/>
-              <a:t>element_revision</a:t>
+              <a:t>question_revision</a:t>
             </a:r>
             <a:endParaRPr lang="en-US" sz="1400" dirty="0"/>
           </a:p>
@@ -4923,7 +4923,7 @@
         <p:spPr>
           <a:xfrm>
             <a:off x="6911306" y="4359348"/>
-            <a:ext cx="5092100" cy="1846659"/>
+            <a:ext cx="5123839" cy="1846659"/>
           </a:xfrm>
           <a:prstGeom prst="rect">
             <a:avLst/>
@@ -4938,7 +4938,7 @@
           <a:p>
             <a:r>
               <a:rPr lang="en-US" sz="1600" dirty="0"/>
-              <a:t>Modify Element Info</a:t>
+              <a:t>Modify Question Info</a:t>
             </a:r>
           </a:p>
           <a:p>
@@ -4948,7 +4948,7 @@
             </a:pPr>
             <a:r>
               <a:rPr lang="en-US" sz="1400" dirty="0"/>
-              <a:t>duplicate Element (same id, new revision) </a:t>
+              <a:t>duplicate Question (same id, new revision) </a:t>
             </a:r>
           </a:p>
           <a:p>
@@ -4958,7 +4958,7 @@
             </a:pPr>
             <a:r>
               <a:rPr lang="en-US" sz="1400" dirty="0"/>
-              <a:t>update element info (NOT type)</a:t>
+              <a:t>update question info (NOT type)</a:t>
             </a:r>
           </a:p>
           <a:p>
@@ -4997,7 +4997,7 @@
             </a:pPr>
             <a:r>
               <a:rPr lang="en-US" sz="1400" dirty="0"/>
-              <a:t>all records for current survey id with modified element id</a:t>
+              <a:t>all records for current survey id with modified question id</a:t>
             </a:r>
           </a:p>
           <a:p>
@@ -5007,7 +5007,7 @@
             </a:pPr>
             <a:r>
               <a:rPr lang="en-US" sz="1400" dirty="0"/>
-              <a:t>update element revision</a:t>
+              <a:t>update question revision</a:t>
             </a:r>
           </a:p>
           <a:p>
@@ -5056,7 +5056,7 @@
                   <a:srgbClr val="7030A0"/>
                 </a:solidFill>
               </a:rPr>
-              <a:t>(*) If modifying multiple sections/elements at once, only need to update survey revision once</a:t>
+              <a:t>(*) If modifying multiple sections/questions at once, only need to update survey revision once</a:t>
             </a:r>
           </a:p>
         </p:txBody>
@@ -5144,7 +5144,7 @@
                   <a:srgbClr val="C00000"/>
                 </a:solidFill>
               </a:rPr>
-              <a:t>element_id</a:t>
+              <a:t>question_id</a:t>
             </a:r>
             <a:r>
               <a:rPr lang="en-US" sz="1400" dirty="0">
@@ -5300,7 +5300,7 @@
             <a:pPr algn="ctr"/>
             <a:r>
               <a:rPr lang="en-US" dirty="0"/>
-              <a:t>Element Options</a:t>
+              <a:t>Question Options</a:t>
             </a:r>
           </a:p>
           <a:p>
@@ -5311,7 +5311,7 @@
                   <a:schemeClr val="tx1"/>
                 </a:solidFill>
               </a:rPr>
-              <a:t>element_id</a:t>
+              <a:t>question_id</a:t>
             </a:r>
             <a:endParaRPr lang="en-US" sz="1400" b="1" dirty="0">
               <a:solidFill>
@@ -5329,7 +5329,7 @@
                   </a:schemeClr>
                 </a:solidFill>
               </a:rPr>
-              <a:t>element_revision</a:t>
+              <a:t>question_revision</a:t>
             </a:r>
             <a:r>
               <a:rPr lang="en-US" sz="1400" b="1" dirty="0">
@@ -5435,7 +5435,7 @@
                   <a:schemeClr val="accent1"/>
                 </a:solidFill>
               </a:rPr>
-              <a:t>(*) Element revision at time of last modification. This content will apply to all subsequent revisions as well</a:t>
+              <a:t>(*) Question revision at time of last modification. This content will apply to all subsequent revisions as well</a:t>
             </a:r>
           </a:p>
         </p:txBody>
@@ -5470,7 +5470,7 @@
           <a:p>
             <a:r>
               <a:rPr lang="en-US" sz="1600" dirty="0"/>
-              <a:t>Clone Element</a:t>
+              <a:t>Clone Question</a:t>
             </a:r>
           </a:p>
           <a:p>
@@ -5484,11 +5484,11 @@
             </a:r>
             <a:r>
               <a:rPr lang="en-US" sz="1400" dirty="0" err="1"/>
-              <a:t>ElementOptions</a:t>
+              <a:t>QuestionOptions</a:t>
             </a:r>
             <a:r>
               <a:rPr lang="en-US" sz="1400" dirty="0"/>
-              <a:t> from cloned element id to new element id</a:t>
+              <a:t> from cloned question id to new question id</a:t>
             </a:r>
           </a:p>
           <a:p>
@@ -5498,7 +5498,7 @@
             </a:pPr>
             <a:r>
               <a:rPr lang="en-US" sz="1400" dirty="0"/>
-              <a:t>set element revision to 1</a:t>
+              <a:t>set question revision to 1</a:t>
             </a:r>
           </a:p>
         </p:txBody>
@@ -5545,11 +5545,50 @@
             </a:r>
             <a:r>
               <a:rPr lang="en-US" sz="1400" dirty="0" err="1"/>
-              <a:t>element_id</a:t>
+              <a:t>question_id</a:t>
             </a:r>
             <a:r>
               <a:rPr lang="en-US" sz="1400" dirty="0"/>
               <a:t>/rev</a:t>
+            </a:r>
+          </a:p>
+        </p:txBody>
+      </p:sp>
+      <p:sp>
+        <p:nvSpPr>
+          <p:cNvPr id="2" name="TextBox 1">
+            <a:extLst>
+              <a:ext uri="{FF2B5EF4-FFF2-40B4-BE49-F238E27FC236}">
+                <a16:creationId xmlns:a16="http://schemas.microsoft.com/office/drawing/2014/main" id="{76BC7B8D-3920-DE46-A0F6-701B7E5F842E}"/>
+              </a:ext>
+            </a:extLst>
+          </p:cNvPr>
+          <p:cNvSpPr txBox="1"/>
+          <p:nvPr/>
+        </p:nvSpPr>
+        <p:spPr>
+          <a:xfrm rot="19951977">
+            <a:off x="1993806" y="2584826"/>
+            <a:ext cx="5974905" cy="1569660"/>
+          </a:xfrm>
+          <a:prstGeom prst="rect">
+            <a:avLst/>
+          </a:prstGeom>
+          <a:noFill/>
+        </p:spPr>
+        <p:txBody>
+          <a:bodyPr wrap="none" rtlCol="0">
+            <a:spAutoFit/>
+          </a:bodyPr>
+          <a:lstStyle/>
+          <a:p>
+            <a:r>
+              <a:rPr lang="en-US" sz="9600" dirty="0">
+                <a:solidFill>
+                  <a:srgbClr val="FF0000"/>
+                </a:solidFill>
+              </a:rPr>
+              <a:t>Page is OBE</a:t>
             </a:r>
           </a:p>
         </p:txBody>
@@ -5905,7 +5944,7 @@
             <a:pPr algn="ctr"/>
             <a:r>
               <a:rPr lang="en-US" sz="1400" b="1" dirty="0" err="1"/>
-              <a:t>element_id</a:t>
+              <a:t>question_id</a:t>
             </a:r>
             <a:endParaRPr lang="en-US" sz="1400" b="1" dirty="0"/>
           </a:p>
@@ -5972,7 +6011,7 @@
             <a:pPr algn="ctr"/>
             <a:r>
               <a:rPr lang="en-US" dirty="0"/>
-              <a:t>Elements</a:t>
+              <a:t>Questions</a:t>
             </a:r>
             <a:endParaRPr lang="en-US" sz="1400" b="1" dirty="0"/>
           </a:p>
@@ -6190,15 +6229,7 @@
             </a:pPr>
             <a:r>
               <a:rPr lang="en-US" sz="1400" dirty="0"/>
-              <a:t>set survey id = SID</a:t>
-            </a:r>
-            <a:r>
-              <a:rPr lang="en-US" sz="1400"/>
-              <a:t>,  survey </a:t>
-            </a:r>
-            <a:r>
-              <a:rPr lang="en-US" sz="1400" dirty="0"/>
-              <a:t>rev = 1</a:t>
+              <a:t>set survey id = SID,  survey rev = 1</a:t>
             </a:r>
           </a:p>
           <a:p>
@@ -6238,7 +6269,7 @@
             </a:pPr>
             <a:r>
               <a:rPr lang="en-US" sz="1400" dirty="0"/>
-              <a:t>Duplicate Elements</a:t>
+              <a:t>Duplicate Questions</a:t>
             </a:r>
           </a:p>
           <a:p>
@@ -6248,7 +6279,7 @@
             </a:pPr>
             <a:r>
               <a:rPr lang="en-US" sz="1400" dirty="0"/>
-              <a:t>copy from Elements[*,PID,PREV,*,*]</a:t>
+              <a:t>copy from Questions[*,PID,PREV,*,*]</a:t>
             </a:r>
           </a:p>
           <a:p>
@@ -6283,7 +6314,7 @@
             </a:r>
             <a:r>
               <a:rPr lang="en-US" sz="1400" dirty="0" err="1"/>
-              <a:t>ElementOptions</a:t>
+              <a:t>QuestionOptions</a:t>
             </a:r>
             <a:endParaRPr lang="en-US" sz="1400" dirty="0"/>
           </a:p>
@@ -6298,7 +6329,7 @@
             </a:r>
             <a:r>
               <a:rPr lang="en-US" sz="1400" dirty="0" err="1"/>
-              <a:t>ElementOptions</a:t>
+              <a:t>QuestionOptions</a:t>
             </a:r>
             <a:r>
               <a:rPr lang="en-US" sz="1400" dirty="0"/>
@@ -6378,7 +6409,7 @@
             <a:pPr algn="ctr"/>
             <a:r>
               <a:rPr lang="en-US" dirty="0" err="1"/>
-              <a:t>ElementOptions</a:t>
+              <a:t>QuestionOptions</a:t>
             </a:r>
             <a:endParaRPr lang="en-US" dirty="0"/>
           </a:p>
@@ -6420,7 +6451,7 @@
                   <a:schemeClr val="tx1"/>
                 </a:solidFill>
               </a:rPr>
-              <a:t>element id</a:t>
+              <a:t>question id</a:t>
             </a:r>
           </a:p>
           <a:p>
@@ -6652,7 +6683,7 @@
           <a:p>
             <a:r>
               <a:rPr lang="en-US" sz="1400" dirty="0"/>
-              <a:t>** Setting either section or sequence to NULL removes the element from the survey, but retains it for the purpose of survey editing in the admin tab, (i.e. allows it to be reintroduced without creating it from scratch or breaking continuity with ancestor surveys).</a:t>
+              <a:t>** Setting either section or sequence to NULL removes the question from the survey, but retains it for the purpose of survey editing in the admin tab, (i.e. allows it to be reintroduced without creating it from scratch or breaking continuity with ancestor surveys).</a:t>
             </a:r>
           </a:p>
         </p:txBody>
@@ -8014,21 +8045,21 @@
             <a:pPr algn="ctr"/>
             <a:r>
               <a:rPr lang="en-US" b="1" dirty="0"/>
-              <a:t>Element</a:t>
+              <a:t>Question</a:t>
             </a:r>
           </a:p>
           <a:p>
             <a:pPr algn="ctr"/>
             <a:r>
               <a:rPr lang="en-US" sz="1200" dirty="0"/>
-              <a:t>element id</a:t>
+              <a:t>question id</a:t>
             </a:r>
           </a:p>
           <a:p>
             <a:pPr algn="ctr"/>
             <a:r>
               <a:rPr lang="en-US" sz="1200" dirty="0"/>
-              <a:t>element revision</a:t>
+              <a:t>question revision</a:t>
             </a:r>
           </a:p>
         </p:txBody>
@@ -8254,14 +8285,14 @@
             <a:pPr algn="ctr"/>
             <a:r>
               <a:rPr lang="en-US" b="1" dirty="0"/>
-              <a:t>Element</a:t>
+              <a:t>Question</a:t>
             </a:r>
           </a:p>
           <a:p>
             <a:pPr algn="ctr"/>
             <a:r>
               <a:rPr lang="en-US" sz="1400" b="1" dirty="0"/>
-              <a:t>element id</a:t>
+              <a:t>question id</a:t>
             </a:r>
           </a:p>
           <a:p>
@@ -8446,14 +8477,14 @@
               <a:pPr algn="ctr"/>
               <a:r>
                 <a:rPr lang="en-US" sz="1400" b="1" dirty="0"/>
-                <a:t>element id</a:t>
+                <a:t>question id</a:t>
               </a:r>
             </a:p>
             <a:p>
               <a:pPr algn="ctr"/>
               <a:r>
                 <a:rPr lang="en-US" sz="1400" b="1" dirty="0"/>
-                <a:t>element revision</a:t>
+                <a:t>question revision</a:t>
               </a:r>
             </a:p>
             <a:p>
@@ -8690,14 +8721,14 @@
               <a:pPr algn="ctr"/>
               <a:r>
                 <a:rPr lang="en-US" sz="1400" b="1" dirty="0"/>
-                <a:t>element id</a:t>
+                <a:t>question id</a:t>
               </a:r>
             </a:p>
             <a:p>
               <a:pPr algn="ctr"/>
               <a:r>
                 <a:rPr lang="en-US" sz="1400" b="1" dirty="0"/>
-                <a:t>element revision</a:t>
+                <a:t>question revision</a:t>
               </a:r>
             </a:p>
             <a:p>
@@ -8895,14 +8926,14 @@
               <a:pPr algn="ctr"/>
               <a:r>
                 <a:rPr lang="en-US" sz="1400" b="1" dirty="0"/>
-                <a:t>element id</a:t>
+                <a:t>question id</a:t>
               </a:r>
             </a:p>
             <a:p>
               <a:pPr algn="ctr"/>
               <a:r>
                 <a:rPr lang="en-US" sz="1400" b="1" dirty="0"/>
-                <a:t>element revision</a:t>
+                <a:t>question revision</a:t>
               </a:r>
             </a:p>
             <a:p>

--- a/SurveyTables.pptx
+++ b/SurveyTables.pptx
@@ -5,7 +5,7 @@
     <p:sldMasterId id="2147483648" r:id="rId1"/>
   </p:sldMasterIdLst>
   <p:notesMasterIdLst>
-    <p:notesMasterId r:id="rId10"/>
+    <p:notesMasterId r:id="rId11"/>
   </p:notesMasterIdLst>
   <p:sldIdLst>
     <p:sldId id="256" r:id="rId2"/>
@@ -16,6 +16,7 @@
     <p:sldId id="261" r:id="rId7"/>
     <p:sldId id="262" r:id="rId8"/>
     <p:sldId id="263" r:id="rId9"/>
+    <p:sldId id="264" r:id="rId10"/>
   </p:sldIdLst>
   <p:sldSz cx="12192000" cy="6858000"/>
   <p:notesSz cx="6858000" cy="9144000"/>
@@ -215,7 +216,7 @@
           <a:p>
             <a:fld id="{27983993-457D-4B44-87E0-F1832B9FDEA8}" type="datetimeFigureOut">
               <a:rPr lang="en-US" smtClean="0"/>
-              <a:t>5/24/25</a:t>
+              <a:t>6/10/25</a:t>
             </a:fld>
             <a:endParaRPr lang="en-US"/>
           </a:p>
@@ -1049,7 +1050,7 @@
           <a:p>
             <a:fld id="{3731B3E4-154A-8745-9F3C-ACEACDDEC42E}" type="datetimeFigureOut">
               <a:rPr lang="en-US" smtClean="0"/>
-              <a:t>5/24/25</a:t>
+              <a:t>6/10/25</a:t>
             </a:fld>
             <a:endParaRPr lang="en-US"/>
           </a:p>
@@ -1247,7 +1248,7 @@
           <a:p>
             <a:fld id="{3731B3E4-154A-8745-9F3C-ACEACDDEC42E}" type="datetimeFigureOut">
               <a:rPr lang="en-US" smtClean="0"/>
-              <a:t>5/24/25</a:t>
+              <a:t>6/10/25</a:t>
             </a:fld>
             <a:endParaRPr lang="en-US"/>
           </a:p>
@@ -1455,7 +1456,7 @@
           <a:p>
             <a:fld id="{3731B3E4-154A-8745-9F3C-ACEACDDEC42E}" type="datetimeFigureOut">
               <a:rPr lang="en-US" smtClean="0"/>
-              <a:t>5/24/25</a:t>
+              <a:t>6/10/25</a:t>
             </a:fld>
             <a:endParaRPr lang="en-US"/>
           </a:p>
@@ -1660,7 +1661,7 @@
           <a:p>
             <a:fld id="{3731B3E4-154A-8745-9F3C-ACEACDDEC42E}" type="datetimeFigureOut">
               <a:rPr lang="en-US" smtClean="0"/>
-              <a:t>5/24/25</a:t>
+              <a:t>6/10/25</a:t>
             </a:fld>
             <a:endParaRPr lang="en-US"/>
           </a:p>
@@ -1935,7 +1936,7 @@
           <a:p>
             <a:fld id="{3731B3E4-154A-8745-9F3C-ACEACDDEC42E}" type="datetimeFigureOut">
               <a:rPr lang="en-US" smtClean="0"/>
-              <a:t>5/24/25</a:t>
+              <a:t>6/10/25</a:t>
             </a:fld>
             <a:endParaRPr lang="en-US"/>
           </a:p>
@@ -2200,7 +2201,7 @@
           <a:p>
             <a:fld id="{3731B3E4-154A-8745-9F3C-ACEACDDEC42E}" type="datetimeFigureOut">
               <a:rPr lang="en-US" smtClean="0"/>
-              <a:t>5/24/25</a:t>
+              <a:t>6/10/25</a:t>
             </a:fld>
             <a:endParaRPr lang="en-US"/>
           </a:p>
@@ -2612,7 +2613,7 @@
           <a:p>
             <a:fld id="{3731B3E4-154A-8745-9F3C-ACEACDDEC42E}" type="datetimeFigureOut">
               <a:rPr lang="en-US" smtClean="0"/>
-              <a:t>5/24/25</a:t>
+              <a:t>6/10/25</a:t>
             </a:fld>
             <a:endParaRPr lang="en-US"/>
           </a:p>
@@ -2753,7 +2754,7 @@
           <a:p>
             <a:fld id="{3731B3E4-154A-8745-9F3C-ACEACDDEC42E}" type="datetimeFigureOut">
               <a:rPr lang="en-US" smtClean="0"/>
-              <a:t>5/24/25</a:t>
+              <a:t>6/10/25</a:t>
             </a:fld>
             <a:endParaRPr lang="en-US"/>
           </a:p>
@@ -2866,7 +2867,7 @@
           <a:p>
             <a:fld id="{3731B3E4-154A-8745-9F3C-ACEACDDEC42E}" type="datetimeFigureOut">
               <a:rPr lang="en-US" smtClean="0"/>
-              <a:t>5/24/25</a:t>
+              <a:t>6/10/25</a:t>
             </a:fld>
             <a:endParaRPr lang="en-US"/>
           </a:p>
@@ -3177,7 +3178,7 @@
           <a:p>
             <a:fld id="{3731B3E4-154A-8745-9F3C-ACEACDDEC42E}" type="datetimeFigureOut">
               <a:rPr lang="en-US" smtClean="0"/>
-              <a:t>5/24/25</a:t>
+              <a:t>6/10/25</a:t>
             </a:fld>
             <a:endParaRPr lang="en-US"/>
           </a:p>
@@ -3465,7 +3466,7 @@
           <a:p>
             <a:fld id="{3731B3E4-154A-8745-9F3C-ACEACDDEC42E}" type="datetimeFigureOut">
               <a:rPr lang="en-US" smtClean="0"/>
-              <a:t>5/24/25</a:t>
+              <a:t>6/10/25</a:t>
             </a:fld>
             <a:endParaRPr lang="en-US"/>
           </a:p>
@@ -3706,7 +3707,7 @@
           <a:p>
             <a:fld id="{3731B3E4-154A-8745-9F3C-ACEACDDEC42E}" type="datetimeFigureOut">
               <a:rPr lang="en-US" smtClean="0"/>
-              <a:t>5/24/25</a:t>
+              <a:t>6/10/25</a:t>
             </a:fld>
             <a:endParaRPr lang="en-US"/>
           </a:p>
@@ -15281,6 +15282,715 @@
     <p:extLst>
       <p:ext uri="{BB962C8B-B14F-4D97-AF65-F5344CB8AC3E}">
         <p14:creationId xmlns:p14="http://schemas.microsoft.com/office/powerpoint/2010/main" val="3668080093"/>
+      </p:ext>
+    </p:extLst>
+  </p:cSld>
+  <p:clrMapOvr>
+    <a:masterClrMapping/>
+  </p:clrMapOvr>
+</p:sld>
+</file>
+
+<file path=ppt/slides/slide9.xml><?xml version="1.0" encoding="utf-8"?>
+<p:sld xmlns:a="http://schemas.openxmlformats.org/drawingml/2006/main" xmlns:r="http://schemas.openxmlformats.org/officeDocument/2006/relationships" xmlns:p="http://schemas.openxmlformats.org/presentationml/2006/main">
+  <p:cSld>
+    <p:spTree>
+      <p:nvGrpSpPr>
+        <p:cNvPr id="1" name=""/>
+        <p:cNvGrpSpPr/>
+        <p:nvPr/>
+      </p:nvGrpSpPr>
+      <p:grpSpPr>
+        <a:xfrm>
+          <a:off x="0" y="0"/>
+          <a:ext cx="0" cy="0"/>
+          <a:chOff x="0" y="0"/>
+          <a:chExt cx="0" cy="0"/>
+        </a:xfrm>
+      </p:grpSpPr>
+      <p:graphicFrame>
+        <p:nvGraphicFramePr>
+          <p:cNvPr id="4" name="Table 3">
+            <a:extLst>
+              <a:ext uri="{FF2B5EF4-FFF2-40B4-BE49-F238E27FC236}">
+                <a16:creationId xmlns:a16="http://schemas.microsoft.com/office/drawing/2014/main" id="{D756D5B9-4CE9-2F4C-9753-F6B8565E0CF3}"/>
+              </a:ext>
+            </a:extLst>
+          </p:cNvPr>
+          <p:cNvGraphicFramePr>
+            <a:graphicFrameLocks noGrp="1"/>
+          </p:cNvGraphicFramePr>
+          <p:nvPr>
+            <p:extLst>
+              <p:ext uri="{D42A27DB-BD31-4B8C-83A1-F6EECF244321}">
+                <p14:modId xmlns:p14="http://schemas.microsoft.com/office/powerpoint/2010/main" val="3788593803"/>
+              </p:ext>
+            </p:extLst>
+          </p:nvPr>
+        </p:nvGraphicFramePr>
+        <p:xfrm>
+          <a:off x="1005840" y="737954"/>
+          <a:ext cx="10360152" cy="5034822"/>
+        </p:xfrm>
+        <a:graphic>
+          <a:graphicData uri="http://schemas.openxmlformats.org/drawingml/2006/table">
+            <a:tbl>
+              <a:tblPr firstRow="1" bandRow="1">
+                <a:tableStyleId>{5940675A-B579-460E-94D1-54222C63F5DA}</a:tableStyleId>
+              </a:tblPr>
+              <a:tblGrid>
+                <a:gridCol w="1508191">
+                  <a:extLst>
+                    <a:ext uri="{9D8B030D-6E8A-4147-A177-3AD203B41FA5}">
+                      <a16:colId xmlns:a16="http://schemas.microsoft.com/office/drawing/2014/main" val="809186182"/>
+                    </a:ext>
+                  </a:extLst>
+                </a:gridCol>
+                <a:gridCol w="2944937">
+                  <a:extLst>
+                    <a:ext uri="{9D8B030D-6E8A-4147-A177-3AD203B41FA5}">
+                      <a16:colId xmlns:a16="http://schemas.microsoft.com/office/drawing/2014/main" val="3233419091"/>
+                    </a:ext>
+                  </a:extLst>
+                </a:gridCol>
+                <a:gridCol w="2926080">
+                  <a:extLst>
+                    <a:ext uri="{9D8B030D-6E8A-4147-A177-3AD203B41FA5}">
+                      <a16:colId xmlns:a16="http://schemas.microsoft.com/office/drawing/2014/main" val="3293102844"/>
+                    </a:ext>
+                  </a:extLst>
+                </a:gridCol>
+                <a:gridCol w="2980944">
+                  <a:extLst>
+                    <a:ext uri="{9D8B030D-6E8A-4147-A177-3AD203B41FA5}">
+                      <a16:colId xmlns:a16="http://schemas.microsoft.com/office/drawing/2014/main" val="1583690605"/>
+                    </a:ext>
+                  </a:extLst>
+                </a:gridCol>
+              </a:tblGrid>
+              <a:tr h="633646">
+                <a:tc>
+                  <a:txBody>
+                    <a:bodyPr/>
+                    <a:lstStyle/>
+                    <a:p>
+                      <a:pPr algn="ctr"/>
+                      <a:endParaRPr lang="en-US" sz="1600" b="1" dirty="0"/>
+                    </a:p>
+                  </a:txBody>
+                  <a:tcPr/>
+                </a:tc>
+                <a:tc>
+                  <a:txBody>
+                    <a:bodyPr/>
+                    <a:lstStyle/>
+                    <a:p>
+                      <a:pPr algn="ctr"/>
+                      <a:r>
+                        <a:rPr lang="en-US" sz="1600" b="1" dirty="0"/>
+                        <a:t>key1</a:t>
+                      </a:r>
+                    </a:p>
+                  </a:txBody>
+                  <a:tcPr anchor="ctr"/>
+                </a:tc>
+                <a:tc>
+                  <a:txBody>
+                    <a:bodyPr/>
+                    <a:lstStyle/>
+                    <a:p>
+                      <a:pPr algn="ctr"/>
+                      <a:r>
+                        <a:rPr lang="en-US" sz="1600" b="1" dirty="0"/>
+                        <a:t>key2</a:t>
+                      </a:r>
+                    </a:p>
+                  </a:txBody>
+                  <a:tcPr anchor="ctr"/>
+                </a:tc>
+                <a:tc>
+                  <a:txBody>
+                    <a:bodyPr/>
+                    <a:lstStyle/>
+                    <a:p>
+                      <a:pPr algn="ctr"/>
+                      <a:r>
+                        <a:rPr lang="en-US" sz="1600" b="1" dirty="0"/>
+                        <a:t>options</a:t>
+                      </a:r>
+                    </a:p>
+                  </a:txBody>
+                  <a:tcPr anchor="ctr"/>
+                </a:tc>
+                <a:extLst>
+                  <a:ext uri="{0D108BD9-81ED-4DB2-BD59-A6C34878D82A}">
+                    <a16:rowId xmlns:a16="http://schemas.microsoft.com/office/drawing/2014/main" val="3568443477"/>
+                  </a:ext>
+                </a:extLst>
+              </a:tr>
+              <a:tr h="1149028">
+                <a:tc>
+                  <a:txBody>
+                    <a:bodyPr/>
+                    <a:lstStyle/>
+                    <a:p>
+                      <a:pPr algn="ctr"/>
+                      <a:r>
+                        <a:rPr lang="en-US" sz="1600" b="1" dirty="0"/>
+                        <a:t>---</a:t>
+                      </a:r>
+                    </a:p>
+                  </a:txBody>
+                  <a:tcPr anchor="ctr"/>
+                </a:tc>
+                <a:tc>
+                  <a:txBody>
+                    <a:bodyPr/>
+                    <a:lstStyle/>
+                    <a:p>
+                      <a:pPr algn="ctr"/>
+                      <a:r>
+                        <a:rPr lang="en-US" sz="1400" dirty="0"/>
+                        <a:t>Create new action</a:t>
+                      </a:r>
+                    </a:p>
+                    <a:p>
+                      <a:pPr algn="ctr"/>
+                      <a:r>
+                        <a:rPr lang="en-US" sz="1400" dirty="0"/>
+                        <a:t>Set key = key1</a:t>
+                      </a:r>
+                      <a:br>
+                        <a:rPr lang="en-US" sz="1400" dirty="0"/>
+                      </a:br>
+                      <a:r>
+                        <a:rPr lang="en-US" sz="1400" dirty="0"/>
+                        <a:t>Set new value = value1</a:t>
+                      </a:r>
+                    </a:p>
+                    <a:p>
+                      <a:pPr algn="ctr"/>
+                      <a:r>
+                        <a:rPr lang="en-US" sz="1400" dirty="0"/>
+                        <a:t>Add action to undo stack</a:t>
+                      </a:r>
+                    </a:p>
+                  </a:txBody>
+                  <a:tcPr anchor="ctr"/>
+                </a:tc>
+                <a:tc>
+                  <a:txBody>
+                    <a:bodyPr/>
+                    <a:lstStyle/>
+                    <a:p>
+                      <a:pPr algn="ctr"/>
+                      <a:r>
+                        <a:rPr lang="en-US" sz="1400" dirty="0"/>
+                        <a:t>Create new action</a:t>
+                      </a:r>
+                    </a:p>
+                    <a:p>
+                      <a:pPr algn="ctr"/>
+                      <a:r>
+                        <a:rPr lang="en-US" sz="1400" dirty="0"/>
+                        <a:t>Set key=  key2</a:t>
+                      </a:r>
+                      <a:br>
+                        <a:rPr lang="en-US" sz="1400" dirty="0"/>
+                      </a:br>
+                      <a:r>
+                        <a:rPr lang="en-US" sz="1400" dirty="0"/>
+                        <a:t>Set new value = value2</a:t>
+                      </a:r>
+                    </a:p>
+                    <a:p>
+                      <a:pPr algn="ctr"/>
+                      <a:r>
+                        <a:rPr lang="en-US" sz="1400" dirty="0"/>
+                        <a:t>Add action to undo stack</a:t>
+                      </a:r>
+                    </a:p>
+                    <a:p>
+                      <a:pPr algn="ctr"/>
+                      <a:endParaRPr lang="en-US" sz="1400" dirty="0"/>
+                    </a:p>
+                  </a:txBody>
+                  <a:tcPr anchor="ctr"/>
+                </a:tc>
+                <a:tc>
+                  <a:txBody>
+                    <a:bodyPr/>
+                    <a:lstStyle/>
+                    <a:p>
+                      <a:pPr algn="ctr"/>
+                      <a:r>
+                        <a:rPr lang="en-US" sz="1400" dirty="0"/>
+                        <a:t>Create </a:t>
+                      </a:r>
+                      <a:r>
+                        <a:rPr lang="en-US" sz="1400"/>
+                        <a:t>new action</a:t>
+                      </a:r>
+                    </a:p>
+                    <a:p>
+                      <a:pPr algn="ctr"/>
+                      <a:r>
+                        <a:rPr lang="en-US" sz="1400"/>
+                        <a:t>Set </a:t>
+                      </a:r>
+                      <a:r>
+                        <a:rPr lang="en-US" sz="1400" dirty="0"/>
+                        <a:t>key = options</a:t>
+                      </a:r>
+                      <a:br>
+                        <a:rPr lang="en-US" sz="1400" dirty="0"/>
+                      </a:br>
+                      <a:r>
+                        <a:rPr lang="en-US" sz="1400" dirty="0"/>
+                        <a:t>Set new value = selected options</a:t>
+                      </a:r>
+                    </a:p>
+                    <a:p>
+                      <a:pPr algn="ctr"/>
+                      <a:r>
+                        <a:rPr lang="en-US" sz="1400" dirty="0"/>
+                        <a:t>Add action to undo stack</a:t>
+                      </a:r>
+                    </a:p>
+                  </a:txBody>
+                  <a:tcPr anchor="ctr"/>
+                </a:tc>
+                <a:extLst>
+                  <a:ext uri="{0D108BD9-81ED-4DB2-BD59-A6C34878D82A}">
+                    <a16:rowId xmlns:a16="http://schemas.microsoft.com/office/drawing/2014/main" val="3143295767"/>
+                  </a:ext>
+                </a:extLst>
+              </a:tr>
+              <a:tr h="1149028">
+                <a:tc>
+                  <a:txBody>
+                    <a:bodyPr/>
+                    <a:lstStyle/>
+                    <a:p>
+                      <a:pPr algn="ctr"/>
+                      <a:r>
+                        <a:rPr lang="en-US" sz="1600" b="1" dirty="0"/>
+                        <a:t>key1</a:t>
+                      </a:r>
+                    </a:p>
+                  </a:txBody>
+                  <a:tcPr anchor="ctr"/>
+                </a:tc>
+                <a:tc>
+                  <a:txBody>
+                    <a:bodyPr/>
+                    <a:lstStyle/>
+                    <a:p>
+                      <a:pPr algn="ctr"/>
+                      <a:r>
+                        <a:rPr lang="en-US" sz="1400" dirty="0"/>
+                        <a:t>Update new value (value1)</a:t>
+                      </a:r>
+                    </a:p>
+                  </a:txBody>
+                  <a:tcPr anchor="ctr"/>
+                </a:tc>
+                <a:tc>
+                  <a:txBody>
+                    <a:bodyPr/>
+                    <a:lstStyle/>
+                    <a:p>
+                      <a:pPr algn="ctr"/>
+                      <a:r>
+                        <a:rPr lang="en-US" sz="1400" dirty="0"/>
+                        <a:t>Create new action</a:t>
+                      </a:r>
+                    </a:p>
+                    <a:p>
+                      <a:pPr algn="ctr"/>
+                      <a:r>
+                        <a:rPr lang="en-US" sz="1400" dirty="0"/>
+                        <a:t>Set key = key2</a:t>
+                      </a:r>
+                    </a:p>
+                    <a:p>
+                      <a:pPr algn="ctr"/>
+                      <a:r>
+                        <a:rPr lang="en-US" sz="1400" dirty="0"/>
+                        <a:t>Set new value = value2</a:t>
+                      </a:r>
+                    </a:p>
+                    <a:p>
+                      <a:pPr algn="ctr"/>
+                      <a:r>
+                        <a:rPr lang="en-US" sz="1400" dirty="0"/>
+                        <a:t>Add action to undo stack</a:t>
+                      </a:r>
+                    </a:p>
+                  </a:txBody>
+                  <a:tcPr anchor="ctr"/>
+                </a:tc>
+                <a:tc>
+                  <a:txBody>
+                    <a:bodyPr/>
+                    <a:lstStyle/>
+                    <a:p>
+                      <a:pPr algn="ctr"/>
+                      <a:r>
+                        <a:rPr lang="en-US" sz="1400" dirty="0"/>
+                        <a:t>Create new action</a:t>
+                      </a:r>
+                    </a:p>
+                    <a:p>
+                      <a:pPr algn="ctr"/>
+                      <a:r>
+                        <a:rPr lang="en-US" sz="1400" dirty="0"/>
+                        <a:t>Set key = options</a:t>
+                      </a:r>
+                    </a:p>
+                    <a:p>
+                      <a:pPr algn="ctr"/>
+                      <a:r>
+                        <a:rPr lang="en-US" sz="1400" dirty="0"/>
+                        <a:t>Set new value = selected options</a:t>
+                      </a:r>
+                    </a:p>
+                    <a:p>
+                      <a:pPr algn="ctr"/>
+                      <a:r>
+                        <a:rPr lang="en-US" sz="1400" dirty="0"/>
+                        <a:t>Add action to undo stack</a:t>
+                      </a:r>
+                    </a:p>
+                  </a:txBody>
+                  <a:tcPr anchor="ctr"/>
+                </a:tc>
+                <a:extLst>
+                  <a:ext uri="{0D108BD9-81ED-4DB2-BD59-A6C34878D82A}">
+                    <a16:rowId xmlns:a16="http://schemas.microsoft.com/office/drawing/2014/main" val="3905186887"/>
+                  </a:ext>
+                </a:extLst>
+              </a:tr>
+              <a:tr h="1149028">
+                <a:tc>
+                  <a:txBody>
+                    <a:bodyPr/>
+                    <a:lstStyle/>
+                    <a:p>
+                      <a:pPr algn="ctr"/>
+                      <a:r>
+                        <a:rPr lang="en-US" sz="1600" b="1" dirty="0"/>
+                        <a:t>key2</a:t>
+                      </a:r>
+                    </a:p>
+                  </a:txBody>
+                  <a:tcPr anchor="ctr"/>
+                </a:tc>
+                <a:tc>
+                  <a:txBody>
+                    <a:bodyPr/>
+                    <a:lstStyle/>
+                    <a:p>
+                      <a:pPr algn="ctr"/>
+                      <a:r>
+                        <a:rPr lang="en-US" sz="1400" dirty="0"/>
+                        <a:t>Create new action</a:t>
+                      </a:r>
+                    </a:p>
+                    <a:p>
+                      <a:pPr algn="ctr"/>
+                      <a:r>
+                        <a:rPr lang="en-US" sz="1400" dirty="0"/>
+                        <a:t>Set key = key1</a:t>
+                      </a:r>
+                    </a:p>
+                    <a:p>
+                      <a:pPr algn="ctr"/>
+                      <a:r>
+                        <a:rPr lang="en-US" sz="1400" dirty="0"/>
+                        <a:t>Set new value = value1</a:t>
+                      </a:r>
+                    </a:p>
+                    <a:p>
+                      <a:pPr algn="ctr"/>
+                      <a:r>
+                        <a:rPr lang="en-US" sz="1400" dirty="0"/>
+                        <a:t>Add action to undo stack</a:t>
+                      </a:r>
+                    </a:p>
+                  </a:txBody>
+                  <a:tcPr anchor="ctr"/>
+                </a:tc>
+                <a:tc>
+                  <a:txBody>
+                    <a:bodyPr/>
+                    <a:lstStyle/>
+                    <a:p>
+                      <a:pPr marL="0" marR="0" lvl="0" indent="0" algn="ctr" defTabSz="914400" rtl="0" eaLnBrk="1" fontAlgn="auto" latinLnBrk="0" hangingPunct="1">
+                        <a:lnSpc>
+                          <a:spcPct val="100000"/>
+                        </a:lnSpc>
+                        <a:spcBef>
+                          <a:spcPts val="0"/>
+                        </a:spcBef>
+                        <a:spcAft>
+                          <a:spcPts val="0"/>
+                        </a:spcAft>
+                        <a:buClrTx/>
+                        <a:buSzTx/>
+                        <a:buFontTx/>
+                        <a:buNone/>
+                        <a:tabLst/>
+                        <a:defRPr/>
+                      </a:pPr>
+                      <a:r>
+                        <a:rPr lang="en-US" sz="1400" dirty="0"/>
+                        <a:t>Update new value (value2)</a:t>
+                      </a:r>
+                    </a:p>
+                  </a:txBody>
+                  <a:tcPr anchor="ctr"/>
+                </a:tc>
+                <a:tc>
+                  <a:txBody>
+                    <a:bodyPr/>
+                    <a:lstStyle/>
+                    <a:p>
+                      <a:pPr algn="ctr"/>
+                      <a:r>
+                        <a:rPr lang="en-US" sz="1400" dirty="0"/>
+                        <a:t>Create new action</a:t>
+                      </a:r>
+                    </a:p>
+                    <a:p>
+                      <a:pPr algn="ctr"/>
+                      <a:r>
+                        <a:rPr lang="en-US" sz="1400" dirty="0"/>
+                        <a:t>Set key = options</a:t>
+                      </a:r>
+                    </a:p>
+                    <a:p>
+                      <a:pPr algn="ctr"/>
+                      <a:r>
+                        <a:rPr lang="en-US" sz="1400" dirty="0"/>
+                        <a:t>Set new value = selected options</a:t>
+                      </a:r>
+                    </a:p>
+                    <a:p>
+                      <a:pPr algn="ctr"/>
+                      <a:r>
+                        <a:rPr lang="en-US" sz="1400" dirty="0"/>
+                        <a:t>Add action to undo stack</a:t>
+                      </a:r>
+                    </a:p>
+                  </a:txBody>
+                  <a:tcPr anchor="ctr"/>
+                </a:tc>
+                <a:extLst>
+                  <a:ext uri="{0D108BD9-81ED-4DB2-BD59-A6C34878D82A}">
+                    <a16:rowId xmlns:a16="http://schemas.microsoft.com/office/drawing/2014/main" val="1198059137"/>
+                  </a:ext>
+                </a:extLst>
+              </a:tr>
+              <a:tr h="0">
+                <a:tc>
+                  <a:txBody>
+                    <a:bodyPr/>
+                    <a:lstStyle/>
+                    <a:p>
+                      <a:pPr algn="ctr"/>
+                      <a:r>
+                        <a:rPr lang="en-US" sz="1600" b="1" dirty="0"/>
+                        <a:t>options</a:t>
+                      </a:r>
+                    </a:p>
+                  </a:txBody>
+                  <a:tcPr anchor="ctr"/>
+                </a:tc>
+                <a:tc>
+                  <a:txBody>
+                    <a:bodyPr/>
+                    <a:lstStyle/>
+                    <a:p>
+                      <a:pPr algn="ctr"/>
+                      <a:r>
+                        <a:rPr lang="en-US" sz="1400" dirty="0"/>
+                        <a:t>Create new action</a:t>
+                      </a:r>
+                    </a:p>
+                    <a:p>
+                      <a:pPr algn="ctr"/>
+                      <a:r>
+                        <a:rPr lang="en-US" sz="1400" dirty="0"/>
+                        <a:t>Set key = key1</a:t>
+                      </a:r>
+                    </a:p>
+                    <a:p>
+                      <a:pPr algn="ctr"/>
+                      <a:r>
+                        <a:rPr lang="en-US" sz="1400" dirty="0"/>
+                        <a:t>Set new value = value1</a:t>
+                      </a:r>
+                    </a:p>
+                    <a:p>
+                      <a:pPr algn="ctr"/>
+                      <a:r>
+                        <a:rPr lang="en-US" sz="1400" dirty="0"/>
+                        <a:t>Add action to undo stack</a:t>
+                      </a:r>
+                    </a:p>
+                  </a:txBody>
+                  <a:tcPr anchor="ctr"/>
+                </a:tc>
+                <a:tc>
+                  <a:txBody>
+                    <a:bodyPr/>
+                    <a:lstStyle/>
+                    <a:p>
+                      <a:pPr algn="ctr"/>
+                      <a:r>
+                        <a:rPr lang="en-US" sz="1400" dirty="0"/>
+                        <a:t>Create new action</a:t>
+                      </a:r>
+                    </a:p>
+                    <a:p>
+                      <a:pPr algn="ctr"/>
+                      <a:r>
+                        <a:rPr lang="en-US" sz="1400" dirty="0"/>
+                        <a:t>Set key = key2</a:t>
+                      </a:r>
+                    </a:p>
+                    <a:p>
+                      <a:pPr algn="ctr"/>
+                      <a:r>
+                        <a:rPr lang="en-US" sz="1400" dirty="0"/>
+                        <a:t>Set new value = value2</a:t>
+                      </a:r>
+                    </a:p>
+                    <a:p>
+                      <a:pPr algn="ctr"/>
+                      <a:r>
+                        <a:rPr lang="en-US" sz="1400" dirty="0"/>
+                        <a:t>Add action to undo stack</a:t>
+                      </a:r>
+                    </a:p>
+                  </a:txBody>
+                  <a:tcPr anchor="ctr"/>
+                </a:tc>
+                <a:tc>
+                  <a:txBody>
+                    <a:bodyPr/>
+                    <a:lstStyle/>
+                    <a:p>
+                      <a:pPr marL="0" marR="0" lvl="0" indent="0" algn="ctr" defTabSz="914400" rtl="0" eaLnBrk="1" fontAlgn="auto" latinLnBrk="0" hangingPunct="1">
+                        <a:lnSpc>
+                          <a:spcPct val="100000"/>
+                        </a:lnSpc>
+                        <a:spcBef>
+                          <a:spcPts val="0"/>
+                        </a:spcBef>
+                        <a:spcAft>
+                          <a:spcPts val="0"/>
+                        </a:spcAft>
+                        <a:buClrTx/>
+                        <a:buSzTx/>
+                        <a:buFontTx/>
+                        <a:buNone/>
+                        <a:tabLst/>
+                        <a:defRPr/>
+                      </a:pPr>
+                      <a:r>
+                        <a:rPr lang="en-US" sz="1400" dirty="0"/>
+                        <a:t>Update new value (selected options)</a:t>
+                      </a:r>
+                    </a:p>
+                  </a:txBody>
+                  <a:tcPr anchor="ctr"/>
+                </a:tc>
+                <a:extLst>
+                  <a:ext uri="{0D108BD9-81ED-4DB2-BD59-A6C34878D82A}">
+                    <a16:rowId xmlns:a16="http://schemas.microsoft.com/office/drawing/2014/main" val="1869373145"/>
+                  </a:ext>
+                </a:extLst>
+              </a:tr>
+            </a:tbl>
+          </a:graphicData>
+        </a:graphic>
+      </p:graphicFrame>
+      <p:sp>
+        <p:nvSpPr>
+          <p:cNvPr id="5" name="TextBox 4">
+            <a:extLst>
+              <a:ext uri="{FF2B5EF4-FFF2-40B4-BE49-F238E27FC236}">
+                <a16:creationId xmlns:a16="http://schemas.microsoft.com/office/drawing/2014/main" id="{BCE43C6B-1C8F-514F-87AF-239FFA61519B}"/>
+              </a:ext>
+            </a:extLst>
+          </p:cNvPr>
+          <p:cNvSpPr txBox="1"/>
+          <p:nvPr/>
+        </p:nvSpPr>
+        <p:spPr>
+          <a:xfrm rot="16200000">
+            <a:off x="-263309" y="3337560"/>
+            <a:ext cx="1707134" cy="461665"/>
+          </a:xfrm>
+          <a:prstGeom prst="rect">
+            <a:avLst/>
+          </a:prstGeom>
+          <a:noFill/>
+        </p:spPr>
+        <p:txBody>
+          <a:bodyPr wrap="none" rtlCol="0">
+            <a:spAutoFit/>
+          </a:bodyPr>
+          <a:lstStyle/>
+          <a:p>
+            <a:r>
+              <a:rPr lang="en-US" sz="2400" b="1" dirty="0"/>
+              <a:t>Last Change</a:t>
+            </a:r>
+          </a:p>
+        </p:txBody>
+      </p:sp>
+      <p:sp>
+        <p:nvSpPr>
+          <p:cNvPr id="6" name="TextBox 5">
+            <a:extLst>
+              <a:ext uri="{FF2B5EF4-FFF2-40B4-BE49-F238E27FC236}">
+                <a16:creationId xmlns:a16="http://schemas.microsoft.com/office/drawing/2014/main" id="{A9C9ED1B-C30D-3543-B898-447057DB10D1}"/>
+              </a:ext>
+            </a:extLst>
+          </p:cNvPr>
+          <p:cNvSpPr txBox="1"/>
+          <p:nvPr/>
+        </p:nvSpPr>
+        <p:spPr>
+          <a:xfrm>
+            <a:off x="5204570" y="159910"/>
+            <a:ext cx="1782860" cy="461665"/>
+          </a:xfrm>
+          <a:prstGeom prst="rect">
+            <a:avLst/>
+          </a:prstGeom>
+          <a:noFill/>
+        </p:spPr>
+        <p:txBody>
+          <a:bodyPr wrap="none" rtlCol="0">
+            <a:spAutoFit/>
+          </a:bodyPr>
+          <a:lstStyle/>
+          <a:p>
+            <a:r>
+              <a:rPr lang="en-US" sz="2400" b="1" dirty="0"/>
+              <a:t>New Change</a:t>
+            </a:r>
+          </a:p>
+        </p:txBody>
+      </p:sp>
+    </p:spTree>
+    <p:extLst>
+      <p:ext uri="{BB962C8B-B14F-4D97-AF65-F5344CB8AC3E}">
+        <p14:creationId xmlns:p14="http://schemas.microsoft.com/office/powerpoint/2010/main" val="3253718418"/>
       </p:ext>
     </p:extLst>
   </p:cSld>

--- a/SurveyTables.pptx
+++ b/SurveyTables.pptx
@@ -216,7 +216,7 @@
           <a:p>
             <a:fld id="{27983993-457D-4B44-87E0-F1832B9FDEA8}" type="datetimeFigureOut">
               <a:rPr lang="en-US" smtClean="0"/>
-              <a:t>6/10/25</a:t>
+              <a:t>6/15/25</a:t>
             </a:fld>
             <a:endParaRPr lang="en-US"/>
           </a:p>
@@ -1050,7 +1050,7 @@
           <a:p>
             <a:fld id="{3731B3E4-154A-8745-9F3C-ACEACDDEC42E}" type="datetimeFigureOut">
               <a:rPr lang="en-US" smtClean="0"/>
-              <a:t>6/10/25</a:t>
+              <a:t>6/15/25</a:t>
             </a:fld>
             <a:endParaRPr lang="en-US"/>
           </a:p>
@@ -1248,7 +1248,7 @@
           <a:p>
             <a:fld id="{3731B3E4-154A-8745-9F3C-ACEACDDEC42E}" type="datetimeFigureOut">
               <a:rPr lang="en-US" smtClean="0"/>
-              <a:t>6/10/25</a:t>
+              <a:t>6/15/25</a:t>
             </a:fld>
             <a:endParaRPr lang="en-US"/>
           </a:p>
@@ -1456,7 +1456,7 @@
           <a:p>
             <a:fld id="{3731B3E4-154A-8745-9F3C-ACEACDDEC42E}" type="datetimeFigureOut">
               <a:rPr lang="en-US" smtClean="0"/>
-              <a:t>6/10/25</a:t>
+              <a:t>6/15/25</a:t>
             </a:fld>
             <a:endParaRPr lang="en-US"/>
           </a:p>
@@ -1661,7 +1661,7 @@
           <a:p>
             <a:fld id="{3731B3E4-154A-8745-9F3C-ACEACDDEC42E}" type="datetimeFigureOut">
               <a:rPr lang="en-US" smtClean="0"/>
-              <a:t>6/10/25</a:t>
+              <a:t>6/15/25</a:t>
             </a:fld>
             <a:endParaRPr lang="en-US"/>
           </a:p>
@@ -1936,7 +1936,7 @@
           <a:p>
             <a:fld id="{3731B3E4-154A-8745-9F3C-ACEACDDEC42E}" type="datetimeFigureOut">
               <a:rPr lang="en-US" smtClean="0"/>
-              <a:t>6/10/25</a:t>
+              <a:t>6/15/25</a:t>
             </a:fld>
             <a:endParaRPr lang="en-US"/>
           </a:p>
@@ -2201,7 +2201,7 @@
           <a:p>
             <a:fld id="{3731B3E4-154A-8745-9F3C-ACEACDDEC42E}" type="datetimeFigureOut">
               <a:rPr lang="en-US" smtClean="0"/>
-              <a:t>6/10/25</a:t>
+              <a:t>6/15/25</a:t>
             </a:fld>
             <a:endParaRPr lang="en-US"/>
           </a:p>
@@ -2613,7 +2613,7 @@
           <a:p>
             <a:fld id="{3731B3E4-154A-8745-9F3C-ACEACDDEC42E}" type="datetimeFigureOut">
               <a:rPr lang="en-US" smtClean="0"/>
-              <a:t>6/10/25</a:t>
+              <a:t>6/15/25</a:t>
             </a:fld>
             <a:endParaRPr lang="en-US"/>
           </a:p>
@@ -2754,7 +2754,7 @@
           <a:p>
             <a:fld id="{3731B3E4-154A-8745-9F3C-ACEACDDEC42E}" type="datetimeFigureOut">
               <a:rPr lang="en-US" smtClean="0"/>
-              <a:t>6/10/25</a:t>
+              <a:t>6/15/25</a:t>
             </a:fld>
             <a:endParaRPr lang="en-US"/>
           </a:p>
@@ -2867,7 +2867,7 @@
           <a:p>
             <a:fld id="{3731B3E4-154A-8745-9F3C-ACEACDDEC42E}" type="datetimeFigureOut">
               <a:rPr lang="en-US" smtClean="0"/>
-              <a:t>6/10/25</a:t>
+              <a:t>6/15/25</a:t>
             </a:fld>
             <a:endParaRPr lang="en-US"/>
           </a:p>
@@ -3178,7 +3178,7 @@
           <a:p>
             <a:fld id="{3731B3E4-154A-8745-9F3C-ACEACDDEC42E}" type="datetimeFigureOut">
               <a:rPr lang="en-US" smtClean="0"/>
-              <a:t>6/10/25</a:t>
+              <a:t>6/15/25</a:t>
             </a:fld>
             <a:endParaRPr lang="en-US"/>
           </a:p>
@@ -3466,7 +3466,7 @@
           <a:p>
             <a:fld id="{3731B3E4-154A-8745-9F3C-ACEACDDEC42E}" type="datetimeFigureOut">
               <a:rPr lang="en-US" smtClean="0"/>
-              <a:t>6/10/25</a:t>
+              <a:t>6/15/25</a:t>
             </a:fld>
             <a:endParaRPr lang="en-US"/>
           </a:p>
@@ -3707,7 +3707,7 @@
           <a:p>
             <a:fld id="{3731B3E4-154A-8745-9F3C-ACEACDDEC42E}" type="datetimeFigureOut">
               <a:rPr lang="en-US" smtClean="0"/>
-              <a:t>6/10/25</a:t>
+              <a:t>6/15/25</a:t>
             </a:fld>
             <a:endParaRPr lang="en-US"/>
           </a:p>

--- a/SurveyTables.pptx
+++ b/SurveyTables.pptx
@@ -216,7 +216,7 @@
           <a:p>
             <a:fld id="{27983993-457D-4B44-87E0-F1832B9FDEA8}" type="datetimeFigureOut">
               <a:rPr lang="en-US" smtClean="0"/>
-              <a:t>6/15/25</a:t>
+              <a:t>6/25/25</a:t>
             </a:fld>
             <a:endParaRPr lang="en-US"/>
           </a:p>
@@ -1050,7 +1050,7 @@
           <a:p>
             <a:fld id="{3731B3E4-154A-8745-9F3C-ACEACDDEC42E}" type="datetimeFigureOut">
               <a:rPr lang="en-US" smtClean="0"/>
-              <a:t>6/15/25</a:t>
+              <a:t>6/25/25</a:t>
             </a:fld>
             <a:endParaRPr lang="en-US"/>
           </a:p>
@@ -1248,7 +1248,7 @@
           <a:p>
             <a:fld id="{3731B3E4-154A-8745-9F3C-ACEACDDEC42E}" type="datetimeFigureOut">
               <a:rPr lang="en-US" smtClean="0"/>
-              <a:t>6/15/25</a:t>
+              <a:t>6/25/25</a:t>
             </a:fld>
             <a:endParaRPr lang="en-US"/>
           </a:p>
@@ -1456,7 +1456,7 @@
           <a:p>
             <a:fld id="{3731B3E4-154A-8745-9F3C-ACEACDDEC42E}" type="datetimeFigureOut">
               <a:rPr lang="en-US" smtClean="0"/>
-              <a:t>6/15/25</a:t>
+              <a:t>6/25/25</a:t>
             </a:fld>
             <a:endParaRPr lang="en-US"/>
           </a:p>
@@ -1661,7 +1661,7 @@
           <a:p>
             <a:fld id="{3731B3E4-154A-8745-9F3C-ACEACDDEC42E}" type="datetimeFigureOut">
               <a:rPr lang="en-US" smtClean="0"/>
-              <a:t>6/15/25</a:t>
+              <a:t>6/25/25</a:t>
             </a:fld>
             <a:endParaRPr lang="en-US"/>
           </a:p>
@@ -1936,7 +1936,7 @@
           <a:p>
             <a:fld id="{3731B3E4-154A-8745-9F3C-ACEACDDEC42E}" type="datetimeFigureOut">
               <a:rPr lang="en-US" smtClean="0"/>
-              <a:t>6/15/25</a:t>
+              <a:t>6/25/25</a:t>
             </a:fld>
             <a:endParaRPr lang="en-US"/>
           </a:p>
@@ -2201,7 +2201,7 @@
           <a:p>
             <a:fld id="{3731B3E4-154A-8745-9F3C-ACEACDDEC42E}" type="datetimeFigureOut">
               <a:rPr lang="en-US" smtClean="0"/>
-              <a:t>6/15/25</a:t>
+              <a:t>6/25/25</a:t>
             </a:fld>
             <a:endParaRPr lang="en-US"/>
           </a:p>
@@ -2613,7 +2613,7 @@
           <a:p>
             <a:fld id="{3731B3E4-154A-8745-9F3C-ACEACDDEC42E}" type="datetimeFigureOut">
               <a:rPr lang="en-US" smtClean="0"/>
-              <a:t>6/15/25</a:t>
+              <a:t>6/25/25</a:t>
             </a:fld>
             <a:endParaRPr lang="en-US"/>
           </a:p>
@@ -2754,7 +2754,7 @@
           <a:p>
             <a:fld id="{3731B3E4-154A-8745-9F3C-ACEACDDEC42E}" type="datetimeFigureOut">
               <a:rPr lang="en-US" smtClean="0"/>
-              <a:t>6/15/25</a:t>
+              <a:t>6/25/25</a:t>
             </a:fld>
             <a:endParaRPr lang="en-US"/>
           </a:p>
@@ -2867,7 +2867,7 @@
           <a:p>
             <a:fld id="{3731B3E4-154A-8745-9F3C-ACEACDDEC42E}" type="datetimeFigureOut">
               <a:rPr lang="en-US" smtClean="0"/>
-              <a:t>6/15/25</a:t>
+              <a:t>6/25/25</a:t>
             </a:fld>
             <a:endParaRPr lang="en-US"/>
           </a:p>
@@ -3178,7 +3178,7 @@
           <a:p>
             <a:fld id="{3731B3E4-154A-8745-9F3C-ACEACDDEC42E}" type="datetimeFigureOut">
               <a:rPr lang="en-US" smtClean="0"/>
-              <a:t>6/15/25</a:t>
+              <a:t>6/25/25</a:t>
             </a:fld>
             <a:endParaRPr lang="en-US"/>
           </a:p>
@@ -3466,7 +3466,7 @@
           <a:p>
             <a:fld id="{3731B3E4-154A-8745-9F3C-ACEACDDEC42E}" type="datetimeFigureOut">
               <a:rPr lang="en-US" smtClean="0"/>
-              <a:t>6/15/25</a:t>
+              <a:t>6/25/25</a:t>
             </a:fld>
             <a:endParaRPr lang="en-US"/>
           </a:p>
@@ -3707,7 +3707,7 @@
           <a:p>
             <a:fld id="{3731B3E4-154A-8745-9F3C-ACEACDDEC42E}" type="datetimeFigureOut">
               <a:rPr lang="en-US" smtClean="0"/>
-              <a:t>6/15/25</a:t>
+              <a:t>6/25/25</a:t>
             </a:fld>
             <a:endParaRPr lang="en-US"/>
           </a:p>
@@ -5841,14 +5841,26 @@
           <a:p>
             <a:pPr algn="ctr"/>
             <a:r>
-              <a:rPr lang="en-US" sz="1400" dirty="0"/>
+              <a:rPr lang="en-US" sz="1400" dirty="0">
+                <a:solidFill>
+                  <a:schemeClr val="accent6">
+                    <a:lumMod val="75000"/>
+                  </a:schemeClr>
+                </a:solidFill>
+              </a:rPr>
               <a:t>name</a:t>
             </a:r>
           </a:p>
           <a:p>
             <a:pPr algn="ctr"/>
             <a:r>
-              <a:rPr lang="en-US" sz="1400" dirty="0"/>
+              <a:rPr lang="en-US" sz="1400" dirty="0">
+                <a:solidFill>
+                  <a:schemeClr val="accent6">
+                    <a:lumMod val="75000"/>
+                  </a:schemeClr>
+                </a:solidFill>
+              </a:rPr>
               <a:t>description</a:t>
             </a:r>
           </a:p>
@@ -6609,13 +6621,22 @@
           <a:p>
             <a:pPr algn="ctr"/>
             <a:r>
-              <a:rPr lang="en-US" sz="1400" dirty="0">
+              <a:rPr lang="en-US" sz="1400" dirty="0" err="1">
                 <a:solidFill>
-                  <a:schemeClr val="tx1"/>
+                  <a:schemeClr val="accent6">
+                    <a:lumMod val="75000"/>
+                  </a:schemeClr>
                 </a:solidFill>
               </a:rPr>
-              <a:t>text</a:t>
-            </a:r>
+              <a:t>text_sid</a:t>
+            </a:r>
+            <a:endParaRPr lang="en-US" sz="1400" dirty="0">
+              <a:solidFill>
+                <a:schemeClr val="accent6">
+                  <a:lumMod val="75000"/>
+                </a:schemeClr>
+              </a:solidFill>
+            </a:endParaRPr>
           </a:p>
         </p:txBody>
       </p:sp>
@@ -6704,7 +6725,7 @@
         <p:spPr>
           <a:xfrm>
             <a:off x="2885422" y="2303873"/>
-            <a:ext cx="908647" cy="738664"/>
+            <a:ext cx="1011046" cy="954107"/>
           </a:xfrm>
           <a:prstGeom prst="rect">
             <a:avLst/>
@@ -6735,7 +6756,19 @@
                   <a:schemeClr val="accent1"/>
                 </a:solidFill>
               </a:rPr>
-              <a:t>color = FK</a:t>
+              <a:t>blue = FK</a:t>
+            </a:r>
+          </a:p>
+          <a:p>
+            <a:r>
+              <a:rPr lang="en-US" sz="1400" dirty="0">
+                <a:solidFill>
+                  <a:schemeClr val="accent6">
+                    <a:lumMod val="75000"/>
+                  </a:schemeClr>
+                </a:solidFill>
+              </a:rPr>
+              <a:t>green = SID</a:t>
             </a:r>
           </a:p>
         </p:txBody>
@@ -7618,6 +7651,80 @@
           </a:fontRef>
         </p:style>
       </p:cxnSp>
+      <p:sp>
+        <p:nvSpPr>
+          <p:cNvPr id="31" name="Rectangle 30">
+            <a:extLst>
+              <a:ext uri="{FF2B5EF4-FFF2-40B4-BE49-F238E27FC236}">
+                <a16:creationId xmlns:a16="http://schemas.microsoft.com/office/drawing/2014/main" id="{15F77BCF-117A-614F-9D54-1BEDE9725F92}"/>
+              </a:ext>
+            </a:extLst>
+          </p:cNvPr>
+          <p:cNvSpPr/>
+          <p:nvPr/>
+        </p:nvSpPr>
+        <p:spPr>
+          <a:xfrm>
+            <a:off x="2746785" y="4060553"/>
+            <a:ext cx="1318178" cy="995844"/>
+          </a:xfrm>
+          <a:prstGeom prst="rect">
+            <a:avLst/>
+          </a:prstGeom>
+          <a:solidFill>
+            <a:srgbClr val="C7E9DF"/>
+          </a:solidFill>
+          <a:ln/>
+        </p:spPr>
+        <p:style>
+          <a:lnRef idx="1">
+            <a:schemeClr val="accent5"/>
+          </a:lnRef>
+          <a:fillRef idx="2">
+            <a:schemeClr val="accent5"/>
+          </a:fillRef>
+          <a:effectRef idx="1">
+            <a:schemeClr val="accent5"/>
+          </a:effectRef>
+          <a:fontRef idx="minor">
+            <a:schemeClr val="dk1"/>
+          </a:fontRef>
+        </p:style>
+        <p:txBody>
+          <a:bodyPr rtlCol="0" anchor="t"/>
+          <a:lstStyle/>
+          <a:p>
+            <a:pPr algn="ctr"/>
+            <a:r>
+              <a:rPr lang="en-US" b="1" dirty="0"/>
+              <a:t>Strings</a:t>
+            </a:r>
+          </a:p>
+          <a:p>
+            <a:pPr algn="ctr"/>
+            <a:r>
+              <a:rPr lang="en-US" sz="1400" b="1" dirty="0"/>
+              <a:t>id</a:t>
+            </a:r>
+          </a:p>
+          <a:p>
+            <a:pPr algn="ctr"/>
+            <a:r>
+              <a:rPr lang="en-US" sz="1400" dirty="0" err="1"/>
+              <a:t>str</a:t>
+            </a:r>
+            <a:endParaRPr lang="en-US" sz="1400" dirty="0"/>
+          </a:p>
+          <a:p>
+            <a:pPr algn="ctr"/>
+            <a:r>
+              <a:rPr lang="en-US" sz="1400" dirty="0" err="1"/>
+              <a:t>str_hash</a:t>
+            </a:r>
+            <a:endParaRPr lang="en-US" sz="1400" dirty="0"/>
+          </a:p>
+        </p:txBody>
+      </p:sp>
     </p:spTree>
     <p:extLst>
       <p:ext uri="{BB962C8B-B14F-4D97-AF65-F5344CB8AC3E}">
@@ -9197,9 +9304,10 @@
           <a:p>
             <a:pPr algn="ctr"/>
             <a:r>
-              <a:rPr lang="en-US" sz="1400" dirty="0"/>
-              <a:t>text</a:t>
-            </a:r>
+              <a:rPr lang="en-US" sz="1400" dirty="0" err="1"/>
+              <a:t>text_sid</a:t>
+            </a:r>
+            <a:endParaRPr lang="en-US" sz="1400" dirty="0"/>
           </a:p>
         </p:txBody>
       </p:sp>
@@ -9286,6 +9394,80 @@
               <a:rPr lang="en-US" sz="1200" dirty="0"/>
               <a:t> array</a:t>
             </a:r>
+          </a:p>
+        </p:txBody>
+      </p:sp>
+      <p:sp>
+        <p:nvSpPr>
+          <p:cNvPr id="40" name="Rectangle 39">
+            <a:extLst>
+              <a:ext uri="{FF2B5EF4-FFF2-40B4-BE49-F238E27FC236}">
+                <a16:creationId xmlns:a16="http://schemas.microsoft.com/office/drawing/2014/main" id="{D63332AB-5E38-684F-A120-125A825138A9}"/>
+              </a:ext>
+            </a:extLst>
+          </p:cNvPr>
+          <p:cNvSpPr/>
+          <p:nvPr/>
+        </p:nvSpPr>
+        <p:spPr>
+          <a:xfrm>
+            <a:off x="8743661" y="4329574"/>
+            <a:ext cx="1318178" cy="995844"/>
+          </a:xfrm>
+          <a:prstGeom prst="rect">
+            <a:avLst/>
+          </a:prstGeom>
+          <a:solidFill>
+            <a:srgbClr val="C7E9DF"/>
+          </a:solidFill>
+          <a:ln/>
+        </p:spPr>
+        <p:style>
+          <a:lnRef idx="1">
+            <a:schemeClr val="accent5"/>
+          </a:lnRef>
+          <a:fillRef idx="2">
+            <a:schemeClr val="accent5"/>
+          </a:fillRef>
+          <a:effectRef idx="1">
+            <a:schemeClr val="accent5"/>
+          </a:effectRef>
+          <a:fontRef idx="minor">
+            <a:schemeClr val="dk1"/>
+          </a:fontRef>
+        </p:style>
+        <p:txBody>
+          <a:bodyPr rtlCol="0" anchor="t"/>
+          <a:lstStyle/>
+          <a:p>
+            <a:pPr algn="ctr"/>
+            <a:r>
+              <a:rPr lang="en-US" b="1" dirty="0"/>
+              <a:t>Strings</a:t>
+            </a:r>
+          </a:p>
+          <a:p>
+            <a:pPr algn="ctr"/>
+            <a:r>
+              <a:rPr lang="en-US" sz="1400" b="1" dirty="0"/>
+              <a:t>id</a:t>
+            </a:r>
+          </a:p>
+          <a:p>
+            <a:pPr algn="ctr"/>
+            <a:r>
+              <a:rPr lang="en-US" sz="1400" dirty="0" err="1"/>
+              <a:t>str</a:t>
+            </a:r>
+            <a:endParaRPr lang="en-US" sz="1400" dirty="0"/>
+          </a:p>
+          <a:p>
+            <a:pPr algn="ctr"/>
+            <a:r>
+              <a:rPr lang="en-US" sz="1400" dirty="0" err="1"/>
+              <a:t>str_hash</a:t>
+            </a:r>
+            <a:endParaRPr lang="en-US" sz="1400" dirty="0"/>
           </a:p>
         </p:txBody>
       </p:sp>

--- a/SurveyTables.pptx
+++ b/SurveyTables.pptx
@@ -216,7 +216,7 @@
           <a:p>
             <a:fld id="{27983993-457D-4B44-87E0-F1832B9FDEA8}" type="datetimeFigureOut">
               <a:rPr lang="en-US" smtClean="0"/>
-              <a:t>6/25/25</a:t>
+              <a:t>10/12/25</a:t>
             </a:fld>
             <a:endParaRPr lang="en-US"/>
           </a:p>
@@ -1050,7 +1050,7 @@
           <a:p>
             <a:fld id="{3731B3E4-154A-8745-9F3C-ACEACDDEC42E}" type="datetimeFigureOut">
               <a:rPr lang="en-US" smtClean="0"/>
-              <a:t>6/25/25</a:t>
+              <a:t>10/12/25</a:t>
             </a:fld>
             <a:endParaRPr lang="en-US"/>
           </a:p>
@@ -1248,7 +1248,7 @@
           <a:p>
             <a:fld id="{3731B3E4-154A-8745-9F3C-ACEACDDEC42E}" type="datetimeFigureOut">
               <a:rPr lang="en-US" smtClean="0"/>
-              <a:t>6/25/25</a:t>
+              <a:t>10/12/25</a:t>
             </a:fld>
             <a:endParaRPr lang="en-US"/>
           </a:p>
@@ -1456,7 +1456,7 @@
           <a:p>
             <a:fld id="{3731B3E4-154A-8745-9F3C-ACEACDDEC42E}" type="datetimeFigureOut">
               <a:rPr lang="en-US" smtClean="0"/>
-              <a:t>6/25/25</a:t>
+              <a:t>10/12/25</a:t>
             </a:fld>
             <a:endParaRPr lang="en-US"/>
           </a:p>
@@ -1661,7 +1661,7 @@
           <a:p>
             <a:fld id="{3731B3E4-154A-8745-9F3C-ACEACDDEC42E}" type="datetimeFigureOut">
               <a:rPr lang="en-US" smtClean="0"/>
-              <a:t>6/25/25</a:t>
+              <a:t>10/12/25</a:t>
             </a:fld>
             <a:endParaRPr lang="en-US"/>
           </a:p>
@@ -1936,7 +1936,7 @@
           <a:p>
             <a:fld id="{3731B3E4-154A-8745-9F3C-ACEACDDEC42E}" type="datetimeFigureOut">
               <a:rPr lang="en-US" smtClean="0"/>
-              <a:t>6/25/25</a:t>
+              <a:t>10/12/25</a:t>
             </a:fld>
             <a:endParaRPr lang="en-US"/>
           </a:p>
@@ -2201,7 +2201,7 @@
           <a:p>
             <a:fld id="{3731B3E4-154A-8745-9F3C-ACEACDDEC42E}" type="datetimeFigureOut">
               <a:rPr lang="en-US" smtClean="0"/>
-              <a:t>6/25/25</a:t>
+              <a:t>10/12/25</a:t>
             </a:fld>
             <a:endParaRPr lang="en-US"/>
           </a:p>
@@ -2613,7 +2613,7 @@
           <a:p>
             <a:fld id="{3731B3E4-154A-8745-9F3C-ACEACDDEC42E}" type="datetimeFigureOut">
               <a:rPr lang="en-US" smtClean="0"/>
-              <a:t>6/25/25</a:t>
+              <a:t>10/12/25</a:t>
             </a:fld>
             <a:endParaRPr lang="en-US"/>
           </a:p>
@@ -2754,7 +2754,7 @@
           <a:p>
             <a:fld id="{3731B3E4-154A-8745-9F3C-ACEACDDEC42E}" type="datetimeFigureOut">
               <a:rPr lang="en-US" smtClean="0"/>
-              <a:t>6/25/25</a:t>
+              <a:t>10/12/25</a:t>
             </a:fld>
             <a:endParaRPr lang="en-US"/>
           </a:p>
@@ -2867,7 +2867,7 @@
           <a:p>
             <a:fld id="{3731B3E4-154A-8745-9F3C-ACEACDDEC42E}" type="datetimeFigureOut">
               <a:rPr lang="en-US" smtClean="0"/>
-              <a:t>6/25/25</a:t>
+              <a:t>10/12/25</a:t>
             </a:fld>
             <a:endParaRPr lang="en-US"/>
           </a:p>
@@ -3178,7 +3178,7 @@
           <a:p>
             <a:fld id="{3731B3E4-154A-8745-9F3C-ACEACDDEC42E}" type="datetimeFigureOut">
               <a:rPr lang="en-US" smtClean="0"/>
-              <a:t>6/25/25</a:t>
+              <a:t>10/12/25</a:t>
             </a:fld>
             <a:endParaRPr lang="en-US"/>
           </a:p>
@@ -3466,7 +3466,7 @@
           <a:p>
             <a:fld id="{3731B3E4-154A-8745-9F3C-ACEACDDEC42E}" type="datetimeFigureOut">
               <a:rPr lang="en-US" smtClean="0"/>
-              <a:t>6/25/25</a:t>
+              <a:t>10/12/25</a:t>
             </a:fld>
             <a:endParaRPr lang="en-US"/>
           </a:p>
@@ -3707,7 +3707,7 @@
           <a:p>
             <a:fld id="{3731B3E4-154A-8745-9F3C-ACEACDDEC42E}" type="datetimeFigureOut">
               <a:rPr lang="en-US" smtClean="0"/>
-              <a:t>6/25/25</a:t>
+              <a:t>10/12/25</a:t>
             </a:fld>
             <a:endParaRPr lang="en-US"/>
           </a:p>
@@ -5880,7 +5880,7 @@
         </p:nvSpPr>
         <p:spPr>
           <a:xfrm>
-            <a:off x="228087" y="5082968"/>
+            <a:off x="197802" y="3907672"/>
             <a:ext cx="1919026" cy="1445180"/>
           </a:xfrm>
           <a:prstGeom prst="rect">
@@ -6654,8 +6654,8 @@
         </p:nvSpPr>
         <p:spPr>
           <a:xfrm>
-            <a:off x="2677099" y="5158362"/>
-            <a:ext cx="4208443" cy="1384995"/>
+            <a:off x="4165160" y="5091614"/>
+            <a:ext cx="3697088" cy="1600438"/>
           </a:xfrm>
           <a:prstGeom prst="rect">
             <a:avLst/>
@@ -6689,8 +6689,8 @@
         </p:nvSpPr>
         <p:spPr>
           <a:xfrm>
-            <a:off x="7127135" y="5182120"/>
-            <a:ext cx="4208443" cy="1169551"/>
+            <a:off x="8297567" y="5091614"/>
+            <a:ext cx="3571345" cy="1384995"/>
           </a:xfrm>
           <a:prstGeom prst="rect">
             <a:avLst/>
@@ -7665,7 +7665,7 @@
         </p:nvSpPr>
         <p:spPr>
           <a:xfrm>
-            <a:off x="2746785" y="4060553"/>
+            <a:off x="2676919" y="3722889"/>
             <a:ext cx="1318178" cy="995844"/>
           </a:xfrm>
           <a:prstGeom prst="rect">
@@ -7722,6 +7722,117 @@
               <a:t>str_hash</a:t>
             </a:r>
             <a:endParaRPr lang="en-US" sz="1400" dirty="0"/>
+          </a:p>
+        </p:txBody>
+      </p:sp>
+      <p:sp>
+        <p:nvSpPr>
+          <p:cNvPr id="33" name="Rectangle 32">
+            <a:extLst>
+              <a:ext uri="{FF2B5EF4-FFF2-40B4-BE49-F238E27FC236}">
+                <a16:creationId xmlns:a16="http://schemas.microsoft.com/office/drawing/2014/main" id="{AF0CC0EE-DA44-B848-997A-967D00A67616}"/>
+              </a:ext>
+            </a:extLst>
+          </p:cNvPr>
+          <p:cNvSpPr/>
+          <p:nvPr/>
+        </p:nvSpPr>
+        <p:spPr>
+          <a:xfrm>
+            <a:off x="1153912" y="5412820"/>
+            <a:ext cx="1919026" cy="1445180"/>
+          </a:xfrm>
+          <a:prstGeom prst="rect">
+            <a:avLst/>
+          </a:prstGeom>
+          <a:gradFill flip="none" rotWithShape="1">
+            <a:gsLst>
+              <a:gs pos="0">
+                <a:schemeClr val="dk1">
+                  <a:lumMod val="67000"/>
+                </a:schemeClr>
+              </a:gs>
+              <a:gs pos="48000">
+                <a:schemeClr val="dk1">
+                  <a:lumMod val="97000"/>
+                  <a:lumOff val="3000"/>
+                </a:schemeClr>
+              </a:gs>
+              <a:gs pos="100000">
+                <a:schemeClr val="dk1">
+                  <a:lumMod val="60000"/>
+                  <a:lumOff val="40000"/>
+                </a:schemeClr>
+              </a:gs>
+            </a:gsLst>
+            <a:lin ang="16200000" scaled="1"/>
+            <a:tileRect/>
+          </a:gradFill>
+          <a:ln>
+            <a:noFill/>
+          </a:ln>
+        </p:spPr>
+        <p:style>
+          <a:lnRef idx="0">
+            <a:scrgbClr r="0" g="0" b="0"/>
+          </a:lnRef>
+          <a:fillRef idx="0">
+            <a:scrgbClr r="0" g="0" b="0"/>
+          </a:fillRef>
+          <a:effectRef idx="0">
+            <a:scrgbClr r="0" g="0" b="0"/>
+          </a:effectRef>
+          <a:fontRef idx="minor">
+            <a:schemeClr val="lt1"/>
+          </a:fontRef>
+        </p:style>
+        <p:txBody>
+          <a:bodyPr rtlCol="0" anchor="t"/>
+          <a:lstStyle/>
+          <a:p>
+            <a:pPr algn="ctr"/>
+            <a:r>
+              <a:rPr lang="en-US" dirty="0"/>
+              <a:t>Options</a:t>
+            </a:r>
+          </a:p>
+          <a:p>
+            <a:pPr algn="ctr"/>
+            <a:r>
+              <a:rPr lang="en-US" sz="1400" b="1" dirty="0" err="1"/>
+              <a:t>userid</a:t>
+            </a:r>
+            <a:endParaRPr lang="en-US" sz="1400" b="1" dirty="0"/>
+          </a:p>
+          <a:p>
+            <a:pPr algn="ctr"/>
+            <a:r>
+              <a:rPr lang="en-US" sz="1400" b="1" dirty="0" err="1"/>
+              <a:t>survey_id</a:t>
+            </a:r>
+            <a:endParaRPr lang="en-US" sz="1400" b="1" dirty="0"/>
+          </a:p>
+          <a:p>
+            <a:pPr algn="ctr"/>
+            <a:r>
+              <a:rPr lang="en-US" sz="1400" b="1" dirty="0" err="1"/>
+              <a:t>question_id</a:t>
+            </a:r>
+            <a:endParaRPr lang="en-US" sz="1400" b="1" dirty="0"/>
+          </a:p>
+          <a:p>
+            <a:pPr algn="ctr"/>
+            <a:r>
+              <a:rPr lang="en-US" sz="1400" b="1" dirty="0"/>
+              <a:t>status (draft/final)</a:t>
+            </a:r>
+          </a:p>
+          <a:p>
+            <a:pPr algn="ctr"/>
+            <a:r>
+              <a:rPr lang="en-US" sz="1400" dirty="0"/>
+              <a:t>…</a:t>
+            </a:r>
           </a:p>
         </p:txBody>
       </p:sp>
